--- a/PPT/基于WIFI的商业大数据分析PPT.pptx
+++ b/PPT/基于WIFI的商业大数据分析PPT.pptx
@@ -5,17 +5,17 @@
     <p:sldMasterId id="2147483648" r:id="rId1"/>
   </p:sldMasterIdLst>
   <p:notesMasterIdLst>
-    <p:notesMasterId r:id="rId11"/>
+    <p:notesMasterId r:id="rId10"/>
   </p:notesMasterIdLst>
   <p:sldIdLst>
-    <p:sldId id="257" r:id="rId3"/>
-    <p:sldId id="291" r:id="rId4"/>
-    <p:sldId id="292" r:id="rId5"/>
-    <p:sldId id="258" r:id="rId6"/>
-    <p:sldId id="262" r:id="rId7"/>
-    <p:sldId id="266" r:id="rId8"/>
-    <p:sldId id="293" r:id="rId9"/>
-    <p:sldId id="286" r:id="rId10"/>
+    <p:sldId id="257" r:id="rId2"/>
+    <p:sldId id="291" r:id="rId3"/>
+    <p:sldId id="292" r:id="rId4"/>
+    <p:sldId id="258" r:id="rId5"/>
+    <p:sldId id="262" r:id="rId6"/>
+    <p:sldId id="266" r:id="rId7"/>
+    <p:sldId id="293" r:id="rId8"/>
+    <p:sldId id="286" r:id="rId9"/>
   </p:sldIdLst>
   <p:sldSz cx="9144000" cy="6858000" type="screen4x3"/>
   <p:notesSz cx="6858000" cy="9144000"/>
@@ -114,11 +114,27 @@
       </a:defRPr>
     </a:lvl9pPr>
   </p:defaultTextStyle>
+  <p:extLst>
+    <p:ext uri="{EFAFB233-063F-42B5-8137-9DF3F51BA10A}">
+      <p15:sldGuideLst xmlns:p15="http://schemas.microsoft.com/office/powerpoint/2012/main">
+        <p15:guide id="1" orient="horz" pos="2215">
+          <p15:clr>
+            <a:srgbClr val="A4A3A4"/>
+          </p15:clr>
+        </p15:guide>
+        <p15:guide id="2" pos="2880">
+          <p15:clr>
+            <a:srgbClr val="A4A3A4"/>
+          </p15:clr>
+        </p15:guide>
+      </p15:sldGuideLst>
+    </p:ext>
+  </p:extLst>
 </p:presentation>
 </file>
 
 <file path=ppt/diagrams/colors1.xml><?xml version="1.0" encoding="utf-8"?>
-<dgm:colorsDef xmlns:dgm="http://schemas.openxmlformats.org/drawingml/2006/diagram" xmlns:a="http://schemas.openxmlformats.org/drawingml/2006/main" uniqueId="urn:microsoft.com/office/officeart/2005/8/colors/accent1_2">
+<dgm:colorsDef xmlns:dgm="http://schemas.openxmlformats.org/drawingml/2006/diagram" xmlns:a="http://schemas.openxmlformats.org/drawingml/2006/main" uniqueId="urn:microsoft.com/office/officeart/2005/8/colors/accent1_2#1">
   <dgm:title val=""/>
   <dgm:desc val=""/>
   <dgm:catLst>
@@ -865,7 +881,7 @@
 </file>
 
 <file path=ppt/diagrams/colors2.xml><?xml version="1.0" encoding="utf-8"?>
-<dgm:colorsDef xmlns:dgm="http://schemas.openxmlformats.org/drawingml/2006/diagram" xmlns:a="http://schemas.openxmlformats.org/drawingml/2006/main" uniqueId="urn:microsoft.com/office/officeart/2005/8/colors/accent1_2">
+<dgm:colorsDef xmlns:dgm="http://schemas.openxmlformats.org/drawingml/2006/diagram" xmlns:a="http://schemas.openxmlformats.org/drawingml/2006/main" uniqueId="urn:microsoft.com/office/officeart/2005/8/colors/accent1_2#2">
   <dgm:title val=""/>
   <dgm:desc val=""/>
   <dgm:catLst>
@@ -1615,7 +1631,7 @@
 <dgm:dataModel xmlns:dgm="http://schemas.openxmlformats.org/drawingml/2006/diagram" xmlns:a="http://schemas.openxmlformats.org/drawingml/2006/main">
   <dgm:ptLst>
     <dgm:pt modelId="{FB099D03-A5B5-4A8A-9AF8-16B234334559}" type="doc">
-      <dgm:prSet loTypeId="urn:microsoft.com/office/officeart/2005/8/layout/radial2" loCatId="relationship" qsTypeId="urn:microsoft.com/office/officeart/2005/8/quickstyle/simple1" qsCatId="simple" csTypeId="urn:microsoft.com/office/officeart/2005/8/colors/accent1_2" csCatId="accent1" phldr="1"/>
+      <dgm:prSet loTypeId="urn:microsoft.com/office/officeart/2005/8/layout/radial2#1" loCatId="relationship" qsTypeId="urn:microsoft.com/office/officeart/2005/8/quickstyle/simple1#1" qsCatId="simple" csTypeId="urn:microsoft.com/office/officeart/2005/8/colors/accent1_2#1" csCatId="accent1" phldr="1"/>
       <dgm:spPr/>
       <dgm:t>
         <a:bodyPr/>
@@ -1632,14 +1648,11 @@
         <a:bodyPr/>
         <a:lstStyle/>
         <a:p>
-          <a:r>
-            <a:rPr lang="zh-CN" altLang="en-US" dirty="0"/>
-            <a:t>向日</a:t>
-          </a:r>
+          <a:endParaRPr lang="zh-CN" altLang="en-US" dirty="0"/>
         </a:p>
       </dgm:t>
     </dgm:pt>
-    <dgm:pt modelId="{47B91C25-43B4-46DD-88E9-77B475B44CEF}" cxnId="{E2866813-B0C2-4624-B93A-BC375289566B}" type="parTrans">
+    <dgm:pt modelId="{47B91C25-43B4-46DD-88E9-77B475B44CEF}" type="parTrans" cxnId="{E2866813-B0C2-4624-B93A-BC375289566B}">
       <dgm:prSet/>
       <dgm:spPr/>
       <dgm:t>
@@ -1650,7 +1663,7 @@
         </a:p>
       </dgm:t>
     </dgm:pt>
-    <dgm:pt modelId="{B48D8CDC-BC2A-413D-9A48-BC1CF37DFFCD}" cxnId="{E2866813-B0C2-4624-B93A-BC375289566B}" type="sibTrans">
+    <dgm:pt modelId="{B48D8CDC-BC2A-413D-9A48-BC1CF37DFFCD}" type="sibTrans" cxnId="{E2866813-B0C2-4624-B93A-BC375289566B}">
       <dgm:prSet/>
       <dgm:spPr/>
       <dgm:t>
@@ -1668,14 +1681,11 @@
         <a:bodyPr/>
         <a:lstStyle/>
         <a:p>
-          <a:r>
-            <a:rPr lang="zh-CN" altLang="en-US" dirty="0"/>
-            <a:t>文翼颖</a:t>
-          </a:r>
+          <a:endParaRPr lang="zh-CN" altLang="en-US" dirty="0"/>
         </a:p>
       </dgm:t>
     </dgm:pt>
-    <dgm:pt modelId="{F4BFF9EA-8B46-4EEC-A4B6-52B3276108D5}" cxnId="{A66C35AA-E7EF-4B0A-A971-E6E753AC3987}" type="parTrans">
+    <dgm:pt modelId="{F4BFF9EA-8B46-4EEC-A4B6-52B3276108D5}" type="parTrans" cxnId="{A66C35AA-E7EF-4B0A-A971-E6E753AC3987}">
       <dgm:prSet/>
       <dgm:spPr/>
       <dgm:t>
@@ -1686,7 +1696,7 @@
         </a:p>
       </dgm:t>
     </dgm:pt>
-    <dgm:pt modelId="{4E1F8464-158B-41BC-B450-21BC0EF02CBD}" cxnId="{A66C35AA-E7EF-4B0A-A971-E6E753AC3987}" type="sibTrans">
+    <dgm:pt modelId="{4E1F8464-158B-41BC-B450-21BC0EF02CBD}" type="sibTrans" cxnId="{A66C35AA-E7EF-4B0A-A971-E6E753AC3987}">
       <dgm:prSet/>
       <dgm:spPr/>
       <dgm:t>
@@ -1704,14 +1714,11 @@
         <a:bodyPr/>
         <a:lstStyle/>
         <a:p>
-          <a:r>
-            <a:rPr lang="zh-CN" altLang="en-US" dirty="0"/>
-            <a:t>陈谭军</a:t>
-          </a:r>
+          <a:endParaRPr lang="zh-CN" altLang="en-US" dirty="0"/>
         </a:p>
       </dgm:t>
     </dgm:pt>
-    <dgm:pt modelId="{E60E7543-7BB7-4FD2-864A-2F55509762BA}" cxnId="{7F384CA4-B77D-4316-9388-2A59BA9A5411}" type="parTrans">
+    <dgm:pt modelId="{E60E7543-7BB7-4FD2-864A-2F55509762BA}" type="parTrans" cxnId="{7F384CA4-B77D-4316-9388-2A59BA9A5411}">
       <dgm:prSet/>
       <dgm:spPr/>
       <dgm:t>
@@ -1722,7 +1729,7 @@
         </a:p>
       </dgm:t>
     </dgm:pt>
-    <dgm:pt modelId="{329A1DD6-54D4-41E4-AD6B-07BEDDA1BFE5}" cxnId="{7F384CA4-B77D-4316-9388-2A59BA9A5411}" type="sibTrans">
+    <dgm:pt modelId="{329A1DD6-54D4-41E4-AD6B-07BEDDA1BFE5}" type="sibTrans" cxnId="{7F384CA4-B77D-4316-9388-2A59BA9A5411}">
       <dgm:prSet/>
       <dgm:spPr/>
       <dgm:t>
@@ -1744,7 +1751,7 @@
         </a:p>
       </dgm:t>
     </dgm:pt>
-    <dgm:pt modelId="{172FF60D-358A-4100-ACE9-19D006A7CB17}" cxnId="{8B9971E0-01F9-449C-9681-C96C3BFB4126}" type="sibTrans">
+    <dgm:pt modelId="{172FF60D-358A-4100-ACE9-19D006A7CB17}" type="sibTrans" cxnId="{8B9971E0-01F9-449C-9681-C96C3BFB4126}">
       <dgm:prSet/>
       <dgm:spPr/>
       <dgm:t>
@@ -1755,7 +1762,7 @@
         </a:p>
       </dgm:t>
     </dgm:pt>
-    <dgm:pt modelId="{6AF50616-AE24-434A-901E-B8D826A076FB}" cxnId="{8B9971E0-01F9-449C-9681-C96C3BFB4126}" type="parTrans">
+    <dgm:pt modelId="{6AF50616-AE24-434A-901E-B8D826A076FB}" type="parTrans" cxnId="{8B9971E0-01F9-449C-9681-C96C3BFB4126}">
       <dgm:prSet/>
       <dgm:spPr/>
       <dgm:t>
@@ -1776,6 +1783,13 @@
         </dgm:presLayoutVars>
       </dgm:prSet>
       <dgm:spPr/>
+      <dgm:t>
+        <a:bodyPr/>
+        <a:lstStyle/>
+        <a:p>
+          <a:endParaRPr lang="zh-CN" altLang="en-US"/>
+        </a:p>
+      </dgm:t>
     </dgm:pt>
     <dgm:pt modelId="{4D588B4D-8E63-4C2C-875F-E38F8AB37FF4}" type="pres">
       <dgm:prSet presAssocID="{FB099D03-A5B5-4A8A-9AF8-16B234334559}" presName="cycle" presStyleCnt="0"/>
@@ -1813,6 +1827,13 @@
     <dgm:pt modelId="{B59BA929-8B5A-4CBB-9F78-22B3731B9BEB}" type="pres">
       <dgm:prSet presAssocID="{47B91C25-43B4-46DD-88E9-77B475B44CEF}" presName="Name25" presStyleLbl="parChTrans1D1" presStyleIdx="0" presStyleCnt="3"/>
       <dgm:spPr/>
+      <dgm:t>
+        <a:bodyPr/>
+        <a:lstStyle/>
+        <a:p>
+          <a:endParaRPr lang="zh-CN" altLang="en-US"/>
+        </a:p>
+      </dgm:t>
     </dgm:pt>
     <dgm:pt modelId="{922BE33E-D6C4-44C2-9D80-ABC39EF00146}" type="pres">
       <dgm:prSet presAssocID="{FDBA4E00-04B5-488F-B043-95748699A386}" presName="node" presStyleCnt="0"/>
@@ -1826,6 +1847,13 @@
         </dgm:presLayoutVars>
       </dgm:prSet>
       <dgm:spPr/>
+      <dgm:t>
+        <a:bodyPr/>
+        <a:lstStyle/>
+        <a:p>
+          <a:endParaRPr lang="zh-CN" altLang="en-US"/>
+        </a:p>
+      </dgm:t>
     </dgm:pt>
     <dgm:pt modelId="{8D89796F-7161-4E74-B9F4-F3873BCA2B56}" type="pres">
       <dgm:prSet presAssocID="{FDBA4E00-04B5-488F-B043-95748699A386}" presName="childNode" presStyleLbl="revTx" presStyleIdx="0" presStyleCnt="1">
@@ -1834,10 +1862,24 @@
         </dgm:presLayoutVars>
       </dgm:prSet>
       <dgm:spPr/>
+      <dgm:t>
+        <a:bodyPr/>
+        <a:lstStyle/>
+        <a:p>
+          <a:endParaRPr lang="zh-CN" altLang="en-US"/>
+        </a:p>
+      </dgm:t>
     </dgm:pt>
     <dgm:pt modelId="{D2ADEFBA-EFE9-4967-9377-C80789A05CF8}" type="pres">
       <dgm:prSet presAssocID="{F4BFF9EA-8B46-4EEC-A4B6-52B3276108D5}" presName="Name25" presStyleLbl="parChTrans1D1" presStyleIdx="1" presStyleCnt="3"/>
       <dgm:spPr/>
+      <dgm:t>
+        <a:bodyPr/>
+        <a:lstStyle/>
+        <a:p>
+          <a:endParaRPr lang="zh-CN" altLang="en-US"/>
+        </a:p>
+      </dgm:t>
     </dgm:pt>
     <dgm:pt modelId="{89455710-4A66-485E-91A9-28547EFD8682}" type="pres">
       <dgm:prSet presAssocID="{ABC675C8-DAD0-4ADC-88F3-B6EC602D7700}" presName="node" presStyleCnt="0"/>
@@ -1851,6 +1893,13 @@
         </dgm:presLayoutVars>
       </dgm:prSet>
       <dgm:spPr/>
+      <dgm:t>
+        <a:bodyPr/>
+        <a:lstStyle/>
+        <a:p>
+          <a:endParaRPr lang="zh-CN" altLang="en-US"/>
+        </a:p>
+      </dgm:t>
     </dgm:pt>
     <dgm:pt modelId="{DA93DF85-1B7C-4191-ADEE-144CE95F4409}" type="pres">
       <dgm:prSet presAssocID="{ABC675C8-DAD0-4ADC-88F3-B6EC602D7700}" presName="childNode" presStyleLbl="revTx" presStyleIdx="0" presStyleCnt="1">
@@ -1863,6 +1912,13 @@
     <dgm:pt modelId="{D88F5710-647F-400B-A254-F212C8CF3A6C}" type="pres">
       <dgm:prSet presAssocID="{E60E7543-7BB7-4FD2-864A-2F55509762BA}" presName="Name25" presStyleLbl="parChTrans1D1" presStyleIdx="2" presStyleCnt="3"/>
       <dgm:spPr/>
+      <dgm:t>
+        <a:bodyPr/>
+        <a:lstStyle/>
+        <a:p>
+          <a:endParaRPr lang="zh-CN" altLang="en-US"/>
+        </a:p>
+      </dgm:t>
     </dgm:pt>
     <dgm:pt modelId="{CDD04E60-8526-478B-82A5-1EAE23959055}" type="pres">
       <dgm:prSet presAssocID="{1F069801-428A-4826-B8C9-08F73AFA4FD9}" presName="node" presStyleCnt="0"/>
@@ -1876,6 +1932,13 @@
         </dgm:presLayoutVars>
       </dgm:prSet>
       <dgm:spPr/>
+      <dgm:t>
+        <a:bodyPr/>
+        <a:lstStyle/>
+        <a:p>
+          <a:endParaRPr lang="zh-CN" altLang="en-US"/>
+        </a:p>
+      </dgm:t>
     </dgm:pt>
     <dgm:pt modelId="{0E2A5C8D-A11B-4F84-B60F-1726FAEBD34C}" type="pres">
       <dgm:prSet presAssocID="{1F069801-428A-4826-B8C9-08F73AFA4FD9}" presName="childNode" presStyleLbl="revTx" presStyleIdx="0" presStyleCnt="1">
@@ -1887,40 +1950,40 @@
     </dgm:pt>
   </dgm:ptLst>
   <dgm:cxnLst>
+    <dgm:cxn modelId="{8C1BEBBB-FA95-451A-A452-04BEBA1E0E8E}" type="presOf" srcId="{F4BFF9EA-8B46-4EEC-A4B6-52B3276108D5}" destId="{D2ADEFBA-EFE9-4967-9377-C80789A05CF8}" srcOrd="0" destOrd="0" presId="urn:microsoft.com/office/officeart/2005/8/layout/radial2#1"/>
+    <dgm:cxn modelId="{8C9665A1-E8B9-4970-B3D1-151E1FDD8F4E}" type="presOf" srcId="{FB099D03-A5B5-4A8A-9AF8-16B234334559}" destId="{9991DDCD-604D-4F6E-91BA-72BF8F8392BD}" srcOrd="0" destOrd="0" presId="urn:microsoft.com/office/officeart/2005/8/layout/radial2#1"/>
+    <dgm:cxn modelId="{25238418-816A-48F9-B243-E63150B4793B}" type="presOf" srcId="{4FFBAEC1-6DCD-4A78-AB92-D11B47CCAAF7}" destId="{8D89796F-7161-4E74-B9F4-F3873BCA2B56}" srcOrd="0" destOrd="0" presId="urn:microsoft.com/office/officeart/2005/8/layout/radial2#1"/>
+    <dgm:cxn modelId="{06E3C913-9B40-49B4-AAB0-3FB4ED583E24}" type="presOf" srcId="{E60E7543-7BB7-4FD2-864A-2F55509762BA}" destId="{D88F5710-647F-400B-A254-F212C8CF3A6C}" srcOrd="0" destOrd="0" presId="urn:microsoft.com/office/officeart/2005/8/layout/radial2#1"/>
+    <dgm:cxn modelId="{695654C4-7018-43ED-9931-BCED33A5A439}" type="presOf" srcId="{ABC675C8-DAD0-4ADC-88F3-B6EC602D7700}" destId="{F33B1320-62AF-417A-A46B-414FDD7640B2}" srcOrd="0" destOrd="0" presId="urn:microsoft.com/office/officeart/2005/8/layout/radial2#1"/>
+    <dgm:cxn modelId="{7C715497-FE16-49B9-A138-7278BB052E86}" type="presOf" srcId="{FDBA4E00-04B5-488F-B043-95748699A386}" destId="{1A2ED769-F911-4E76-95D7-745343A1A38D}" srcOrd="0" destOrd="0" presId="urn:microsoft.com/office/officeart/2005/8/layout/radial2#1"/>
+    <dgm:cxn modelId="{90ED60BB-EBDE-4BD5-9D2C-4F7DAD4BD137}" type="presOf" srcId="{47B91C25-43B4-46DD-88E9-77B475B44CEF}" destId="{B59BA929-8B5A-4CBB-9F78-22B3731B9BEB}" srcOrd="0" destOrd="0" presId="urn:microsoft.com/office/officeart/2005/8/layout/radial2#1"/>
+    <dgm:cxn modelId="{A6020FF6-EB1A-4809-A62D-D0F3357B9B41}" type="presOf" srcId="{1F069801-428A-4826-B8C9-08F73AFA4FD9}" destId="{0EDBA5A8-BB34-4CBF-9992-1359198E33F1}" srcOrd="0" destOrd="0" presId="urn:microsoft.com/office/officeart/2005/8/layout/radial2#1"/>
     <dgm:cxn modelId="{E2866813-B0C2-4624-B93A-BC375289566B}" srcId="{FB099D03-A5B5-4A8A-9AF8-16B234334559}" destId="{FDBA4E00-04B5-488F-B043-95748699A386}" srcOrd="0" destOrd="0" parTransId="{47B91C25-43B4-46DD-88E9-77B475B44CEF}" sibTransId="{B48D8CDC-BC2A-413D-9A48-BC1CF37DFFCD}"/>
-    <dgm:cxn modelId="{06E3C913-9B40-49B4-AAB0-3FB4ED583E24}" type="presOf" srcId="{E60E7543-7BB7-4FD2-864A-2F55509762BA}" destId="{D88F5710-647F-400B-A254-F212C8CF3A6C}" srcOrd="0" destOrd="0" presId="urn:microsoft.com/office/officeart/2005/8/layout/radial2"/>
-    <dgm:cxn modelId="{25238418-816A-48F9-B243-E63150B4793B}" type="presOf" srcId="{4FFBAEC1-6DCD-4A78-AB92-D11B47CCAAF7}" destId="{8D89796F-7161-4E74-B9F4-F3873BCA2B56}" srcOrd="0" destOrd="0" presId="urn:microsoft.com/office/officeart/2005/8/layout/radial2"/>
-    <dgm:cxn modelId="{7C715497-FE16-49B9-A138-7278BB052E86}" type="presOf" srcId="{FDBA4E00-04B5-488F-B043-95748699A386}" destId="{1A2ED769-F911-4E76-95D7-745343A1A38D}" srcOrd="0" destOrd="0" presId="urn:microsoft.com/office/officeart/2005/8/layout/radial2"/>
-    <dgm:cxn modelId="{8C9665A1-E8B9-4970-B3D1-151E1FDD8F4E}" type="presOf" srcId="{FB099D03-A5B5-4A8A-9AF8-16B234334559}" destId="{9991DDCD-604D-4F6E-91BA-72BF8F8392BD}" srcOrd="0" destOrd="0" presId="urn:microsoft.com/office/officeart/2005/8/layout/radial2"/>
     <dgm:cxn modelId="{7F384CA4-B77D-4316-9388-2A59BA9A5411}" srcId="{FB099D03-A5B5-4A8A-9AF8-16B234334559}" destId="{1F069801-428A-4826-B8C9-08F73AFA4FD9}" srcOrd="2" destOrd="0" parTransId="{E60E7543-7BB7-4FD2-864A-2F55509762BA}" sibTransId="{329A1DD6-54D4-41E4-AD6B-07BEDDA1BFE5}"/>
+    <dgm:cxn modelId="{8B9971E0-01F9-449C-9681-C96C3BFB4126}" srcId="{FDBA4E00-04B5-488F-B043-95748699A386}" destId="{4FFBAEC1-6DCD-4A78-AB92-D11B47CCAAF7}" srcOrd="0" destOrd="0" parTransId="{6AF50616-AE24-434A-901E-B8D826A076FB}" sibTransId="{172FF60D-358A-4100-ACE9-19D006A7CB17}"/>
     <dgm:cxn modelId="{A66C35AA-E7EF-4B0A-A971-E6E753AC3987}" srcId="{FB099D03-A5B5-4A8A-9AF8-16B234334559}" destId="{ABC675C8-DAD0-4ADC-88F3-B6EC602D7700}" srcOrd="1" destOrd="0" parTransId="{F4BFF9EA-8B46-4EEC-A4B6-52B3276108D5}" sibTransId="{4E1F8464-158B-41BC-B450-21BC0EF02CBD}"/>
-    <dgm:cxn modelId="{90ED60BB-EBDE-4BD5-9D2C-4F7DAD4BD137}" type="presOf" srcId="{47B91C25-43B4-46DD-88E9-77B475B44CEF}" destId="{B59BA929-8B5A-4CBB-9F78-22B3731B9BEB}" srcOrd="0" destOrd="0" presId="urn:microsoft.com/office/officeart/2005/8/layout/radial2"/>
-    <dgm:cxn modelId="{8C1BEBBB-FA95-451A-A452-04BEBA1E0E8E}" type="presOf" srcId="{F4BFF9EA-8B46-4EEC-A4B6-52B3276108D5}" destId="{D2ADEFBA-EFE9-4967-9377-C80789A05CF8}" srcOrd="0" destOrd="0" presId="urn:microsoft.com/office/officeart/2005/8/layout/radial2"/>
-    <dgm:cxn modelId="{695654C4-7018-43ED-9931-BCED33A5A439}" type="presOf" srcId="{ABC675C8-DAD0-4ADC-88F3-B6EC602D7700}" destId="{F33B1320-62AF-417A-A46B-414FDD7640B2}" srcOrd="0" destOrd="0" presId="urn:microsoft.com/office/officeart/2005/8/layout/radial2"/>
-    <dgm:cxn modelId="{8B9971E0-01F9-449C-9681-C96C3BFB4126}" srcId="{FDBA4E00-04B5-488F-B043-95748699A386}" destId="{4FFBAEC1-6DCD-4A78-AB92-D11B47CCAAF7}" srcOrd="0" destOrd="0" parTransId="{6AF50616-AE24-434A-901E-B8D826A076FB}" sibTransId="{172FF60D-358A-4100-ACE9-19D006A7CB17}"/>
-    <dgm:cxn modelId="{A6020FF6-EB1A-4809-A62D-D0F3357B9B41}" type="presOf" srcId="{1F069801-428A-4826-B8C9-08F73AFA4FD9}" destId="{0EDBA5A8-BB34-4CBF-9992-1359198E33F1}" srcOrd="0" destOrd="0" presId="urn:microsoft.com/office/officeart/2005/8/layout/radial2"/>
-    <dgm:cxn modelId="{767E1D2A-E666-4BE4-8429-8489502E4054}" type="presParOf" srcId="{9991DDCD-604D-4F6E-91BA-72BF8F8392BD}" destId="{4D588B4D-8E63-4C2C-875F-E38F8AB37FF4}" srcOrd="0" destOrd="0" presId="urn:microsoft.com/office/officeart/2005/8/layout/radial2"/>
-    <dgm:cxn modelId="{9B673D78-8232-4298-A5D6-E7BCC321157A}" type="presParOf" srcId="{4D588B4D-8E63-4C2C-875F-E38F8AB37FF4}" destId="{6E2625E8-7ED2-4042-8EB3-AAF09C7322F5}" srcOrd="0" destOrd="0" presId="urn:microsoft.com/office/officeart/2005/8/layout/radial2"/>
-    <dgm:cxn modelId="{5C96BE8A-8EC5-48CF-8A13-2242B33FDB3D}" type="presParOf" srcId="{6E2625E8-7ED2-4042-8EB3-AAF09C7322F5}" destId="{F68DF682-A548-4787-94C2-6D44C48716C8}" srcOrd="0" destOrd="0" presId="urn:microsoft.com/office/officeart/2005/8/layout/radial2"/>
-    <dgm:cxn modelId="{42EB4B02-DDB3-4250-A4F6-1B652279BB73}" type="presParOf" srcId="{6E2625E8-7ED2-4042-8EB3-AAF09C7322F5}" destId="{6169157F-6F7C-4441-BAC8-07B65DC3843B}" srcOrd="1" destOrd="0" presId="urn:microsoft.com/office/officeart/2005/8/layout/radial2"/>
-    <dgm:cxn modelId="{D6E83307-4550-4165-A584-66FFC1C22C5B}" type="presParOf" srcId="{4D588B4D-8E63-4C2C-875F-E38F8AB37FF4}" destId="{B59BA929-8B5A-4CBB-9F78-22B3731B9BEB}" srcOrd="1" destOrd="0" presId="urn:microsoft.com/office/officeart/2005/8/layout/radial2"/>
-    <dgm:cxn modelId="{B79D7892-69E3-4053-B1F1-B4599D5D2D77}" type="presParOf" srcId="{4D588B4D-8E63-4C2C-875F-E38F8AB37FF4}" destId="{922BE33E-D6C4-44C2-9D80-ABC39EF00146}" srcOrd="2" destOrd="0" presId="urn:microsoft.com/office/officeart/2005/8/layout/radial2"/>
-    <dgm:cxn modelId="{F5FC3BD1-5EC7-497B-A0B0-17B262EFA742}" type="presParOf" srcId="{922BE33E-D6C4-44C2-9D80-ABC39EF00146}" destId="{1A2ED769-F911-4E76-95D7-745343A1A38D}" srcOrd="0" destOrd="0" presId="urn:microsoft.com/office/officeart/2005/8/layout/radial2"/>
-    <dgm:cxn modelId="{9BD5C616-A4F2-44EF-9385-19BEE918A3C5}" type="presParOf" srcId="{922BE33E-D6C4-44C2-9D80-ABC39EF00146}" destId="{8D89796F-7161-4E74-B9F4-F3873BCA2B56}" srcOrd="1" destOrd="0" presId="urn:microsoft.com/office/officeart/2005/8/layout/radial2"/>
-    <dgm:cxn modelId="{F206D3A4-4FC0-4836-971D-9BC6CAD611C4}" type="presParOf" srcId="{4D588B4D-8E63-4C2C-875F-E38F8AB37FF4}" destId="{D2ADEFBA-EFE9-4967-9377-C80789A05CF8}" srcOrd="3" destOrd="0" presId="urn:microsoft.com/office/officeart/2005/8/layout/radial2"/>
-    <dgm:cxn modelId="{7BC5315B-0A3A-4B4C-BFC9-E49AE21B4E01}" type="presParOf" srcId="{4D588B4D-8E63-4C2C-875F-E38F8AB37FF4}" destId="{89455710-4A66-485E-91A9-28547EFD8682}" srcOrd="4" destOrd="0" presId="urn:microsoft.com/office/officeart/2005/8/layout/radial2"/>
-    <dgm:cxn modelId="{CED0C92B-7869-483E-897F-954ED046145B}" type="presParOf" srcId="{89455710-4A66-485E-91A9-28547EFD8682}" destId="{F33B1320-62AF-417A-A46B-414FDD7640B2}" srcOrd="0" destOrd="0" presId="urn:microsoft.com/office/officeart/2005/8/layout/radial2"/>
-    <dgm:cxn modelId="{63820C0F-168F-4BA5-83C3-D32E32206BE2}" type="presParOf" srcId="{89455710-4A66-485E-91A9-28547EFD8682}" destId="{DA93DF85-1B7C-4191-ADEE-144CE95F4409}" srcOrd="1" destOrd="0" presId="urn:microsoft.com/office/officeart/2005/8/layout/radial2"/>
-    <dgm:cxn modelId="{3352CAA0-82C1-495D-A3E0-5B75A3A23397}" type="presParOf" srcId="{4D588B4D-8E63-4C2C-875F-E38F8AB37FF4}" destId="{D88F5710-647F-400B-A254-F212C8CF3A6C}" srcOrd="5" destOrd="0" presId="urn:microsoft.com/office/officeart/2005/8/layout/radial2"/>
-    <dgm:cxn modelId="{0C6D802B-A618-448A-947B-AC9199F87AFF}" type="presParOf" srcId="{4D588B4D-8E63-4C2C-875F-E38F8AB37FF4}" destId="{CDD04E60-8526-478B-82A5-1EAE23959055}" srcOrd="6" destOrd="0" presId="urn:microsoft.com/office/officeart/2005/8/layout/radial2"/>
-    <dgm:cxn modelId="{32F29671-5CB3-4D26-BEAA-CA7332100190}" type="presParOf" srcId="{CDD04E60-8526-478B-82A5-1EAE23959055}" destId="{0EDBA5A8-BB34-4CBF-9992-1359198E33F1}" srcOrd="0" destOrd="0" presId="urn:microsoft.com/office/officeart/2005/8/layout/radial2"/>
-    <dgm:cxn modelId="{6CD51077-DDB0-49CC-A281-84DDEA64D843}" type="presParOf" srcId="{CDD04E60-8526-478B-82A5-1EAE23959055}" destId="{0E2A5C8D-A11B-4F84-B60F-1726FAEBD34C}" srcOrd="1" destOrd="0" presId="urn:microsoft.com/office/officeart/2005/8/layout/radial2"/>
+    <dgm:cxn modelId="{767E1D2A-E666-4BE4-8429-8489502E4054}" type="presParOf" srcId="{9991DDCD-604D-4F6E-91BA-72BF8F8392BD}" destId="{4D588B4D-8E63-4C2C-875F-E38F8AB37FF4}" srcOrd="0" destOrd="0" presId="urn:microsoft.com/office/officeart/2005/8/layout/radial2#1"/>
+    <dgm:cxn modelId="{9B673D78-8232-4298-A5D6-E7BCC321157A}" type="presParOf" srcId="{4D588B4D-8E63-4C2C-875F-E38F8AB37FF4}" destId="{6E2625E8-7ED2-4042-8EB3-AAF09C7322F5}" srcOrd="0" destOrd="0" presId="urn:microsoft.com/office/officeart/2005/8/layout/radial2#1"/>
+    <dgm:cxn modelId="{5C96BE8A-8EC5-48CF-8A13-2242B33FDB3D}" type="presParOf" srcId="{6E2625E8-7ED2-4042-8EB3-AAF09C7322F5}" destId="{F68DF682-A548-4787-94C2-6D44C48716C8}" srcOrd="0" destOrd="0" presId="urn:microsoft.com/office/officeart/2005/8/layout/radial2#1"/>
+    <dgm:cxn modelId="{42EB4B02-DDB3-4250-A4F6-1B652279BB73}" type="presParOf" srcId="{6E2625E8-7ED2-4042-8EB3-AAF09C7322F5}" destId="{6169157F-6F7C-4441-BAC8-07B65DC3843B}" srcOrd="1" destOrd="0" presId="urn:microsoft.com/office/officeart/2005/8/layout/radial2#1"/>
+    <dgm:cxn modelId="{D6E83307-4550-4165-A584-66FFC1C22C5B}" type="presParOf" srcId="{4D588B4D-8E63-4C2C-875F-E38F8AB37FF4}" destId="{B59BA929-8B5A-4CBB-9F78-22B3731B9BEB}" srcOrd="1" destOrd="0" presId="urn:microsoft.com/office/officeart/2005/8/layout/radial2#1"/>
+    <dgm:cxn modelId="{B79D7892-69E3-4053-B1F1-B4599D5D2D77}" type="presParOf" srcId="{4D588B4D-8E63-4C2C-875F-E38F8AB37FF4}" destId="{922BE33E-D6C4-44C2-9D80-ABC39EF00146}" srcOrd="2" destOrd="0" presId="urn:microsoft.com/office/officeart/2005/8/layout/radial2#1"/>
+    <dgm:cxn modelId="{F5FC3BD1-5EC7-497B-A0B0-17B262EFA742}" type="presParOf" srcId="{922BE33E-D6C4-44C2-9D80-ABC39EF00146}" destId="{1A2ED769-F911-4E76-95D7-745343A1A38D}" srcOrd="0" destOrd="0" presId="urn:microsoft.com/office/officeart/2005/8/layout/radial2#1"/>
+    <dgm:cxn modelId="{9BD5C616-A4F2-44EF-9385-19BEE918A3C5}" type="presParOf" srcId="{922BE33E-D6C4-44C2-9D80-ABC39EF00146}" destId="{8D89796F-7161-4E74-B9F4-F3873BCA2B56}" srcOrd="1" destOrd="0" presId="urn:microsoft.com/office/officeart/2005/8/layout/radial2#1"/>
+    <dgm:cxn modelId="{F206D3A4-4FC0-4836-971D-9BC6CAD611C4}" type="presParOf" srcId="{4D588B4D-8E63-4C2C-875F-E38F8AB37FF4}" destId="{D2ADEFBA-EFE9-4967-9377-C80789A05CF8}" srcOrd="3" destOrd="0" presId="urn:microsoft.com/office/officeart/2005/8/layout/radial2#1"/>
+    <dgm:cxn modelId="{7BC5315B-0A3A-4B4C-BFC9-E49AE21B4E01}" type="presParOf" srcId="{4D588B4D-8E63-4C2C-875F-E38F8AB37FF4}" destId="{89455710-4A66-485E-91A9-28547EFD8682}" srcOrd="4" destOrd="0" presId="urn:microsoft.com/office/officeart/2005/8/layout/radial2#1"/>
+    <dgm:cxn modelId="{CED0C92B-7869-483E-897F-954ED046145B}" type="presParOf" srcId="{89455710-4A66-485E-91A9-28547EFD8682}" destId="{F33B1320-62AF-417A-A46B-414FDD7640B2}" srcOrd="0" destOrd="0" presId="urn:microsoft.com/office/officeart/2005/8/layout/radial2#1"/>
+    <dgm:cxn modelId="{63820C0F-168F-4BA5-83C3-D32E32206BE2}" type="presParOf" srcId="{89455710-4A66-485E-91A9-28547EFD8682}" destId="{DA93DF85-1B7C-4191-ADEE-144CE95F4409}" srcOrd="1" destOrd="0" presId="urn:microsoft.com/office/officeart/2005/8/layout/radial2#1"/>
+    <dgm:cxn modelId="{3352CAA0-82C1-495D-A3E0-5B75A3A23397}" type="presParOf" srcId="{4D588B4D-8E63-4C2C-875F-E38F8AB37FF4}" destId="{D88F5710-647F-400B-A254-F212C8CF3A6C}" srcOrd="5" destOrd="0" presId="urn:microsoft.com/office/officeart/2005/8/layout/radial2#1"/>
+    <dgm:cxn modelId="{0C6D802B-A618-448A-947B-AC9199F87AFF}" type="presParOf" srcId="{4D588B4D-8E63-4C2C-875F-E38F8AB37FF4}" destId="{CDD04E60-8526-478B-82A5-1EAE23959055}" srcOrd="6" destOrd="0" presId="urn:microsoft.com/office/officeart/2005/8/layout/radial2#1"/>
+    <dgm:cxn modelId="{32F29671-5CB3-4D26-BEAA-CA7332100190}" type="presParOf" srcId="{CDD04E60-8526-478B-82A5-1EAE23959055}" destId="{0EDBA5A8-BB34-4CBF-9992-1359198E33F1}" srcOrd="0" destOrd="0" presId="urn:microsoft.com/office/officeart/2005/8/layout/radial2#1"/>
+    <dgm:cxn modelId="{6CD51077-DDB0-49CC-A281-84DDEA64D843}" type="presParOf" srcId="{CDD04E60-8526-478B-82A5-1EAE23959055}" destId="{0E2A5C8D-A11B-4F84-B60F-1726FAEBD34C}" srcOrd="1" destOrd="0" presId="urn:microsoft.com/office/officeart/2005/8/layout/radial2#1"/>
   </dgm:cxnLst>
   <dgm:bg/>
   <dgm:whole/>
   <dgm:extLst>
     <a:ext uri="http://schemas.microsoft.com/office/drawing/2008/diagram">
-      <dsp:dataModelExt xmlns:dsp="http://schemas.microsoft.com/office/drawing/2008/diagram" relId="rId5" minVer="http://schemas.openxmlformats.org/drawingml/2006/diagram"/>
+      <dsp:dataModelExt xmlns:dsp="http://schemas.microsoft.com/office/drawing/2008/diagram" relId="rId7" minVer="http://schemas.openxmlformats.org/drawingml/2006/diagram"/>
     </a:ext>
   </dgm:extLst>
 </dgm:dataModel>
@@ -1930,7 +1993,7 @@
 <dgm:dataModel xmlns:dgm="http://schemas.openxmlformats.org/drawingml/2006/diagram" xmlns:a="http://schemas.openxmlformats.org/drawingml/2006/main">
   <dgm:ptLst>
     <dgm:pt modelId="{FB4183D0-894B-4171-A680-29ACA60D2FA4}" type="doc">
-      <dgm:prSet loTypeId="urn:microsoft.com/office/officeart/2005/8/layout/process1" loCatId="process" qsTypeId="urn:microsoft.com/office/officeart/2005/8/quickstyle/simple1" qsCatId="simple" csTypeId="urn:microsoft.com/office/officeart/2005/8/colors/accent1_2" csCatId="accent1" phldr="1"/>
+      <dgm:prSet loTypeId="urn:microsoft.com/office/officeart/2005/8/layout/process1" loCatId="process" qsTypeId="urn:microsoft.com/office/officeart/2005/8/quickstyle/simple1#2" qsCatId="simple" csTypeId="urn:microsoft.com/office/officeart/2005/8/colors/accent1_2#2" csCatId="accent1" phldr="1"/>
       <dgm:spPr/>
     </dgm:pt>
     <dgm:pt modelId="{1FC8D805-7AB5-4695-8AA9-72BA5E149E43}">
@@ -1947,7 +2010,7 @@
         </a:p>
       </dgm:t>
     </dgm:pt>
-    <dgm:pt modelId="{69C33356-2A7A-4082-A36A-3C5EACD55EEA}" cxnId="{DACA8F00-9676-4F65-B940-7C5F398ED592}" type="parTrans">
+    <dgm:pt modelId="{69C33356-2A7A-4082-A36A-3C5EACD55EEA}" type="parTrans" cxnId="{DACA8F00-9676-4F65-B940-7C5F398ED592}">
       <dgm:prSet/>
       <dgm:spPr/>
       <dgm:t>
@@ -1958,7 +2021,7 @@
         </a:p>
       </dgm:t>
     </dgm:pt>
-    <dgm:pt modelId="{F0F2FA9E-EE5D-4A51-9AA9-63B7F0DFF2BD}" cxnId="{DACA8F00-9676-4F65-B940-7C5F398ED592}" type="sibTrans">
+    <dgm:pt modelId="{F0F2FA9E-EE5D-4A51-9AA9-63B7F0DFF2BD}" type="sibTrans" cxnId="{DACA8F00-9676-4F65-B940-7C5F398ED592}">
       <dgm:prSet/>
       <dgm:spPr/>
       <dgm:t>
@@ -1983,7 +2046,7 @@
         </a:p>
       </dgm:t>
     </dgm:pt>
-    <dgm:pt modelId="{FB6D7960-D00C-42E0-8869-C8A8874A69C3}" cxnId="{3E9FB3BF-0688-4395-B39B-0004CC7CA836}" type="parTrans">
+    <dgm:pt modelId="{FB6D7960-D00C-42E0-8869-C8A8874A69C3}" type="parTrans" cxnId="{3E9FB3BF-0688-4395-B39B-0004CC7CA836}">
       <dgm:prSet/>
       <dgm:spPr/>
       <dgm:t>
@@ -1994,7 +2057,7 @@
         </a:p>
       </dgm:t>
     </dgm:pt>
-    <dgm:pt modelId="{35320973-E504-43A9-AC2D-2CFEFC5C011F}" cxnId="{3E9FB3BF-0688-4395-B39B-0004CC7CA836}" type="sibTrans">
+    <dgm:pt modelId="{35320973-E504-43A9-AC2D-2CFEFC5C011F}" type="sibTrans" cxnId="{3E9FB3BF-0688-4395-B39B-0004CC7CA836}">
       <dgm:prSet/>
       <dgm:spPr/>
       <dgm:t>
@@ -2019,7 +2082,7 @@
         </a:p>
       </dgm:t>
     </dgm:pt>
-    <dgm:pt modelId="{06DE17E8-9519-45EC-BD3A-A0220FB2E5CF}" cxnId="{2DB49F3E-7A75-452B-ADD3-E4F6C5D24F54}" type="parTrans">
+    <dgm:pt modelId="{06DE17E8-9519-45EC-BD3A-A0220FB2E5CF}" type="parTrans" cxnId="{2DB49F3E-7A75-452B-ADD3-E4F6C5D24F54}">
       <dgm:prSet/>
       <dgm:spPr/>
       <dgm:t>
@@ -2030,7 +2093,7 @@
         </a:p>
       </dgm:t>
     </dgm:pt>
-    <dgm:pt modelId="{605C2C94-5B98-4F9F-BDA3-E2792717655F}" cxnId="{2DB49F3E-7A75-452B-ADD3-E4F6C5D24F54}" type="sibTrans">
+    <dgm:pt modelId="{605C2C94-5B98-4F9F-BDA3-E2792717655F}" type="sibTrans" cxnId="{2DB49F3E-7A75-452B-ADD3-E4F6C5D24F54}">
       <dgm:prSet/>
       <dgm:spPr/>
       <dgm:t>
@@ -2057,14 +2120,35 @@
         </dgm:presLayoutVars>
       </dgm:prSet>
       <dgm:spPr/>
+      <dgm:t>
+        <a:bodyPr/>
+        <a:lstStyle/>
+        <a:p>
+          <a:endParaRPr lang="zh-CN" altLang="en-US"/>
+        </a:p>
+      </dgm:t>
     </dgm:pt>
     <dgm:pt modelId="{1A3FE18E-03B2-46A1-8209-1A2DAA4F7863}" type="pres">
       <dgm:prSet presAssocID="{F0F2FA9E-EE5D-4A51-9AA9-63B7F0DFF2BD}" presName="sibTrans" presStyleLbl="sibTrans2D1" presStyleIdx="0" presStyleCnt="2"/>
       <dgm:spPr/>
+      <dgm:t>
+        <a:bodyPr/>
+        <a:lstStyle/>
+        <a:p>
+          <a:endParaRPr lang="zh-CN" altLang="en-US"/>
+        </a:p>
+      </dgm:t>
     </dgm:pt>
     <dgm:pt modelId="{411E834F-1FFA-461B-B211-612F66889738}" type="pres">
       <dgm:prSet presAssocID="{F0F2FA9E-EE5D-4A51-9AA9-63B7F0DFF2BD}" presName="connectorText" presStyleLbl="sibTrans2D1" presStyleIdx="0" presStyleCnt="2"/>
       <dgm:spPr/>
+      <dgm:t>
+        <a:bodyPr/>
+        <a:lstStyle/>
+        <a:p>
+          <a:endParaRPr lang="zh-CN" altLang="en-US"/>
+        </a:p>
+      </dgm:t>
     </dgm:pt>
     <dgm:pt modelId="{91ADDD35-C1DB-43BF-977C-CF3408686111}" type="pres">
       <dgm:prSet presAssocID="{E5AB0BA6-F95C-4657-8057-5C7E9E56902B}" presName="node" presStyleLbl="node1" presStyleIdx="1" presStyleCnt="3" custScaleY="60666">
@@ -2073,14 +2157,35 @@
         </dgm:presLayoutVars>
       </dgm:prSet>
       <dgm:spPr/>
+      <dgm:t>
+        <a:bodyPr/>
+        <a:lstStyle/>
+        <a:p>
+          <a:endParaRPr lang="zh-CN" altLang="en-US"/>
+        </a:p>
+      </dgm:t>
     </dgm:pt>
     <dgm:pt modelId="{A689ABAA-64A8-4E4E-B943-1062D51B687F}" type="pres">
       <dgm:prSet presAssocID="{35320973-E504-43A9-AC2D-2CFEFC5C011F}" presName="sibTrans" presStyleLbl="sibTrans2D1" presStyleIdx="1" presStyleCnt="2"/>
       <dgm:spPr/>
+      <dgm:t>
+        <a:bodyPr/>
+        <a:lstStyle/>
+        <a:p>
+          <a:endParaRPr lang="zh-CN" altLang="en-US"/>
+        </a:p>
+      </dgm:t>
     </dgm:pt>
     <dgm:pt modelId="{CB706D20-F646-433F-AEE2-443B973E6077}" type="pres">
       <dgm:prSet presAssocID="{35320973-E504-43A9-AC2D-2CFEFC5C011F}" presName="connectorText" presStyleLbl="sibTrans2D1" presStyleIdx="1" presStyleCnt="2"/>
       <dgm:spPr/>
+      <dgm:t>
+        <a:bodyPr/>
+        <a:lstStyle/>
+        <a:p>
+          <a:endParaRPr lang="zh-CN" altLang="en-US"/>
+        </a:p>
+      </dgm:t>
     </dgm:pt>
     <dgm:pt modelId="{853DDB5B-C398-46DC-B0F0-33846C6410F5}" type="pres">
       <dgm:prSet presAssocID="{6FCDF665-DD87-4E67-8136-145CCF43BA27}" presName="node" presStyleLbl="node1" presStyleIdx="2" presStyleCnt="3" custScaleY="60666">
@@ -2089,20 +2194,27 @@
         </dgm:presLayoutVars>
       </dgm:prSet>
       <dgm:spPr/>
+      <dgm:t>
+        <a:bodyPr/>
+        <a:lstStyle/>
+        <a:p>
+          <a:endParaRPr lang="zh-CN" altLang="en-US"/>
+        </a:p>
+      </dgm:t>
     </dgm:pt>
   </dgm:ptLst>
   <dgm:cxnLst>
-    <dgm:cxn modelId="{DACA8F00-9676-4F65-B940-7C5F398ED592}" srcId="{FB4183D0-894B-4171-A680-29ACA60D2FA4}" destId="{1FC8D805-7AB5-4695-8AA9-72BA5E149E43}" srcOrd="0" destOrd="0" parTransId="{69C33356-2A7A-4082-A36A-3C5EACD55EEA}" sibTransId="{F0F2FA9E-EE5D-4A51-9AA9-63B7F0DFF2BD}"/>
-    <dgm:cxn modelId="{7B6ED72D-FC38-4703-94A2-21DC7A2FE273}" type="presOf" srcId="{FB4183D0-894B-4171-A680-29ACA60D2FA4}" destId="{2C3281E6-37E6-4174-A089-A97047C78F5A}" srcOrd="0" destOrd="0" presId="urn:microsoft.com/office/officeart/2005/8/layout/process1"/>
-    <dgm:cxn modelId="{FFD1A037-00B5-40A5-98AB-DE334545FB74}" type="presOf" srcId="{35320973-E504-43A9-AC2D-2CFEFC5C011F}" destId="{A689ABAA-64A8-4E4E-B943-1062D51B687F}" srcOrd="0" destOrd="0" presId="urn:microsoft.com/office/officeart/2005/8/layout/process1"/>
-    <dgm:cxn modelId="{2DB49F3E-7A75-452B-ADD3-E4F6C5D24F54}" srcId="{FB4183D0-894B-4171-A680-29ACA60D2FA4}" destId="{6FCDF665-DD87-4E67-8136-145CCF43BA27}" srcOrd="2" destOrd="0" parTransId="{06DE17E8-9519-45EC-BD3A-A0220FB2E5CF}" sibTransId="{605C2C94-5B98-4F9F-BDA3-E2792717655F}"/>
-    <dgm:cxn modelId="{0E152A4F-37B2-41F9-8BB3-3FAA3CE64839}" type="presOf" srcId="{6FCDF665-DD87-4E67-8136-145CCF43BA27}" destId="{853DDB5B-C398-46DC-B0F0-33846C6410F5}" srcOrd="0" destOrd="0" presId="urn:microsoft.com/office/officeart/2005/8/layout/process1"/>
-    <dgm:cxn modelId="{FE721C95-9FBC-499F-9EED-55C88C5B8641}" type="presOf" srcId="{F0F2FA9E-EE5D-4A51-9AA9-63B7F0DFF2BD}" destId="{411E834F-1FFA-461B-B211-612F66889738}" srcOrd="1" destOrd="0" presId="urn:microsoft.com/office/officeart/2005/8/layout/process1"/>
-    <dgm:cxn modelId="{89A52EBF-FC44-4ED5-B425-9024AAB1DDBF}" type="presOf" srcId="{E5AB0BA6-F95C-4657-8057-5C7E9E56902B}" destId="{91ADDD35-C1DB-43BF-977C-CF3408686111}" srcOrd="0" destOrd="0" presId="urn:microsoft.com/office/officeart/2005/8/layout/process1"/>
-    <dgm:cxn modelId="{3E9FB3BF-0688-4395-B39B-0004CC7CA836}" srcId="{FB4183D0-894B-4171-A680-29ACA60D2FA4}" destId="{E5AB0BA6-F95C-4657-8057-5C7E9E56902B}" srcOrd="1" destOrd="0" parTransId="{FB6D7960-D00C-42E0-8869-C8A8874A69C3}" sibTransId="{35320973-E504-43A9-AC2D-2CFEFC5C011F}"/>
-    <dgm:cxn modelId="{788584D6-6ABE-4661-8B84-0B3AB5A52194}" type="presOf" srcId="{35320973-E504-43A9-AC2D-2CFEFC5C011F}" destId="{CB706D20-F646-433F-AEE2-443B973E6077}" srcOrd="1" destOrd="0" presId="urn:microsoft.com/office/officeart/2005/8/layout/process1"/>
     <dgm:cxn modelId="{C456D6E9-4E7D-4BBB-91C9-B54E22B48F53}" type="presOf" srcId="{F0F2FA9E-EE5D-4A51-9AA9-63B7F0DFF2BD}" destId="{1A3FE18E-03B2-46A1-8209-1A2DAA4F7863}" srcOrd="0" destOrd="0" presId="urn:microsoft.com/office/officeart/2005/8/layout/process1"/>
     <dgm:cxn modelId="{4061ACFE-7CE8-4E07-B535-61D35249B81E}" type="presOf" srcId="{1FC8D805-7AB5-4695-8AA9-72BA5E149E43}" destId="{829B311F-9993-4749-9631-D38B37EA3846}" srcOrd="0" destOrd="0" presId="urn:microsoft.com/office/officeart/2005/8/layout/process1"/>
+    <dgm:cxn modelId="{89A52EBF-FC44-4ED5-B425-9024AAB1DDBF}" type="presOf" srcId="{E5AB0BA6-F95C-4657-8057-5C7E9E56902B}" destId="{91ADDD35-C1DB-43BF-977C-CF3408686111}" srcOrd="0" destOrd="0" presId="urn:microsoft.com/office/officeart/2005/8/layout/process1"/>
+    <dgm:cxn modelId="{0E152A4F-37B2-41F9-8BB3-3FAA3CE64839}" type="presOf" srcId="{6FCDF665-DD87-4E67-8136-145CCF43BA27}" destId="{853DDB5B-C398-46DC-B0F0-33846C6410F5}" srcOrd="0" destOrd="0" presId="urn:microsoft.com/office/officeart/2005/8/layout/process1"/>
+    <dgm:cxn modelId="{3E9FB3BF-0688-4395-B39B-0004CC7CA836}" srcId="{FB4183D0-894B-4171-A680-29ACA60D2FA4}" destId="{E5AB0BA6-F95C-4657-8057-5C7E9E56902B}" srcOrd="1" destOrd="0" parTransId="{FB6D7960-D00C-42E0-8869-C8A8874A69C3}" sibTransId="{35320973-E504-43A9-AC2D-2CFEFC5C011F}"/>
+    <dgm:cxn modelId="{7B6ED72D-FC38-4703-94A2-21DC7A2FE273}" type="presOf" srcId="{FB4183D0-894B-4171-A680-29ACA60D2FA4}" destId="{2C3281E6-37E6-4174-A089-A97047C78F5A}" srcOrd="0" destOrd="0" presId="urn:microsoft.com/office/officeart/2005/8/layout/process1"/>
+    <dgm:cxn modelId="{2DB49F3E-7A75-452B-ADD3-E4F6C5D24F54}" srcId="{FB4183D0-894B-4171-A680-29ACA60D2FA4}" destId="{6FCDF665-DD87-4E67-8136-145CCF43BA27}" srcOrd="2" destOrd="0" parTransId="{06DE17E8-9519-45EC-BD3A-A0220FB2E5CF}" sibTransId="{605C2C94-5B98-4F9F-BDA3-E2792717655F}"/>
+    <dgm:cxn modelId="{FE721C95-9FBC-499F-9EED-55C88C5B8641}" type="presOf" srcId="{F0F2FA9E-EE5D-4A51-9AA9-63B7F0DFF2BD}" destId="{411E834F-1FFA-461B-B211-612F66889738}" srcOrd="1" destOrd="0" presId="urn:microsoft.com/office/officeart/2005/8/layout/process1"/>
+    <dgm:cxn modelId="{DACA8F00-9676-4F65-B940-7C5F398ED592}" srcId="{FB4183D0-894B-4171-A680-29ACA60D2FA4}" destId="{1FC8D805-7AB5-4695-8AA9-72BA5E149E43}" srcOrd="0" destOrd="0" parTransId="{69C33356-2A7A-4082-A36A-3C5EACD55EEA}" sibTransId="{F0F2FA9E-EE5D-4A51-9AA9-63B7F0DFF2BD}"/>
+    <dgm:cxn modelId="{FFD1A037-00B5-40A5-98AB-DE334545FB74}" type="presOf" srcId="{35320973-E504-43A9-AC2D-2CFEFC5C011F}" destId="{A689ABAA-64A8-4E4E-B943-1062D51B687F}" srcOrd="0" destOrd="0" presId="urn:microsoft.com/office/officeart/2005/8/layout/process1"/>
+    <dgm:cxn modelId="{788584D6-6ABE-4661-8B84-0B3AB5A52194}" type="presOf" srcId="{35320973-E504-43A9-AC2D-2CFEFC5C011F}" destId="{CB706D20-F646-433F-AEE2-443B973E6077}" srcOrd="1" destOrd="0" presId="urn:microsoft.com/office/officeart/2005/8/layout/process1"/>
     <dgm:cxn modelId="{C0F069CF-E19E-4D8B-A0A3-3171D8235BE7}" type="presParOf" srcId="{2C3281E6-37E6-4174-A089-A97047C78F5A}" destId="{829B311F-9993-4749-9631-D38B37EA3846}" srcOrd="0" destOrd="0" presId="urn:microsoft.com/office/officeart/2005/8/layout/process1"/>
     <dgm:cxn modelId="{EDAB066C-A24D-4406-AA59-2F4824495904}" type="presParOf" srcId="{2C3281E6-37E6-4174-A089-A97047C78F5A}" destId="{1A3FE18E-03B2-46A1-8209-1A2DAA4F7863}" srcOrd="1" destOrd="0" presId="urn:microsoft.com/office/officeart/2005/8/layout/process1"/>
     <dgm:cxn modelId="{653E806E-28BE-47A7-9809-8E39033092A6}" type="presParOf" srcId="{1A3FE18E-03B2-46A1-8209-1A2DAA4F7863}" destId="{411E834F-1FFA-461B-B211-612F66889738}" srcOrd="0" destOrd="0" presId="urn:microsoft.com/office/officeart/2005/8/layout/process1"/>
@@ -2115,7 +2227,7 @@
   <dgm:whole/>
   <dgm:extLst>
     <a:ext uri="http://schemas.microsoft.com/office/drawing/2008/diagram">
-      <dsp:dataModelExt xmlns:dsp="http://schemas.microsoft.com/office/drawing/2008/diagram" relId="rId5" minVer="http://schemas.openxmlformats.org/drawingml/2006/diagram"/>
+      <dsp:dataModelExt xmlns:dsp="http://schemas.microsoft.com/office/drawing/2008/diagram" relId="rId6" minVer="http://schemas.openxmlformats.org/drawingml/2006/diagram"/>
     </a:ext>
   </dgm:extLst>
 </dgm:dataModel>
@@ -2397,12 +2509,12 @@
         </a:fontRef>
       </dsp:style>
       <dsp:txBody>
-        <a:bodyPr spcFirstLastPara="0" vert="horz" wrap="square" lIns="13970" tIns="13970" rIns="13970" bIns="13970" numCol="1" spcCol="1270" anchor="ctr" anchorCtr="0">
+        <a:bodyPr spcFirstLastPara="0" vert="horz" wrap="square" lIns="27940" tIns="27940" rIns="27940" bIns="27940" numCol="1" spcCol="1270" anchor="ctr" anchorCtr="0">
           <a:noAutofit/>
         </a:bodyPr>
         <a:lstStyle/>
         <a:p>
-          <a:pPr marL="0" lvl="0" indent="0" algn="ctr" defTabSz="977900">
+          <a:pPr lvl="0" algn="ctr" defTabSz="1955800">
             <a:lnSpc>
               <a:spcPct val="90000"/>
             </a:lnSpc>
@@ -2412,12 +2524,8 @@
             <a:spcAft>
               <a:spcPct val="35000"/>
             </a:spcAft>
-            <a:buNone/>
           </a:pPr>
-          <a:r>
-            <a:rPr lang="zh-CN" altLang="en-US" sz="2200" kern="1200" dirty="0"/>
-            <a:t>向日</a:t>
-          </a:r>
+          <a:endParaRPr lang="zh-CN" altLang="en-US" sz="4400" kern="1200" dirty="0"/>
         </a:p>
       </dsp:txBody>
       <dsp:txXfrm>
@@ -2472,7 +2580,7 @@
             <a:spcAft>
               <a:spcPct val="15000"/>
             </a:spcAft>
-            <a:buChar char="•"/>
+            <a:buChar char="••"/>
           </a:pPr>
           <a:endParaRPr lang="zh-CN" altLang="en-US" sz="6500" kern="1200" dirty="0"/>
         </a:p>
@@ -2531,12 +2639,12 @@
         </a:fontRef>
       </dsp:style>
       <dsp:txBody>
-        <a:bodyPr spcFirstLastPara="0" vert="horz" wrap="square" lIns="13970" tIns="13970" rIns="13970" bIns="13970" numCol="1" spcCol="1270" anchor="ctr" anchorCtr="0">
+        <a:bodyPr spcFirstLastPara="0" vert="horz" wrap="square" lIns="26670" tIns="26670" rIns="26670" bIns="26670" numCol="1" spcCol="1270" anchor="ctr" anchorCtr="0">
           <a:noAutofit/>
         </a:bodyPr>
         <a:lstStyle/>
         <a:p>
-          <a:pPr marL="0" lvl="0" indent="0" algn="ctr" defTabSz="977900">
+          <a:pPr lvl="0" algn="ctr" defTabSz="1866900">
             <a:lnSpc>
               <a:spcPct val="90000"/>
             </a:lnSpc>
@@ -2546,12 +2654,8 @@
             <a:spcAft>
               <a:spcPct val="35000"/>
             </a:spcAft>
-            <a:buNone/>
           </a:pPr>
-          <a:r>
-            <a:rPr lang="zh-CN" altLang="en-US" sz="2200" kern="1200" dirty="0"/>
-            <a:t>文翼颖</a:t>
-          </a:r>
+          <a:endParaRPr lang="zh-CN" altLang="en-US" sz="4200" kern="1200" dirty="0"/>
         </a:p>
       </dsp:txBody>
       <dsp:txXfrm>
@@ -2608,12 +2712,12 @@
         </a:fontRef>
       </dsp:style>
       <dsp:txBody>
-        <a:bodyPr spcFirstLastPara="0" vert="horz" wrap="square" lIns="13970" tIns="13970" rIns="13970" bIns="13970" numCol="1" spcCol="1270" anchor="ctr" anchorCtr="0">
+        <a:bodyPr spcFirstLastPara="0" vert="horz" wrap="square" lIns="26670" tIns="26670" rIns="26670" bIns="26670" numCol="1" spcCol="1270" anchor="ctr" anchorCtr="0">
           <a:noAutofit/>
         </a:bodyPr>
         <a:lstStyle/>
         <a:p>
-          <a:pPr marL="0" lvl="0" indent="0" algn="ctr" defTabSz="977900">
+          <a:pPr lvl="0" algn="ctr" defTabSz="1866900">
             <a:lnSpc>
               <a:spcPct val="90000"/>
             </a:lnSpc>
@@ -2623,12 +2727,8 @@
             <a:spcAft>
               <a:spcPct val="35000"/>
             </a:spcAft>
-            <a:buNone/>
           </a:pPr>
-          <a:r>
-            <a:rPr lang="zh-CN" altLang="en-US" sz="2200" kern="1200" dirty="0"/>
-            <a:t>陈谭军</a:t>
-          </a:r>
+          <a:endParaRPr lang="zh-CN" altLang="en-US" sz="4200" kern="1200" dirty="0"/>
         </a:p>
       </dsp:txBody>
       <dsp:txXfrm>
@@ -2704,7 +2804,7 @@
         </a:bodyPr>
         <a:lstStyle/>
         <a:p>
-          <a:pPr marL="0" lvl="0" indent="0" algn="ctr" defTabSz="800100">
+          <a:pPr lvl="0" algn="ctr" defTabSz="800100">
             <a:lnSpc>
               <a:spcPct val="90000"/>
             </a:lnSpc>
@@ -2714,7 +2814,6 @@
             <a:spcAft>
               <a:spcPct val="35000"/>
             </a:spcAft>
-            <a:buNone/>
           </a:pPr>
           <a:r>
             <a:rPr lang="zh-CN" altLang="en-US" sz="1800" kern="1200" dirty="0"/>
@@ -2777,7 +2876,7 @@
         </a:bodyPr>
         <a:lstStyle/>
         <a:p>
-          <a:pPr marL="0" lvl="0" indent="0" algn="ctr" defTabSz="844550">
+          <a:pPr lvl="0" algn="ctr" defTabSz="844550">
             <a:lnSpc>
               <a:spcPct val="90000"/>
             </a:lnSpc>
@@ -2787,7 +2886,6 @@
             <a:spcAft>
               <a:spcPct val="35000"/>
             </a:spcAft>
-            <a:buNone/>
           </a:pPr>
           <a:endParaRPr lang="zh-CN" altLang="en-US" sz="1900" kern="1200"/>
         </a:p>
@@ -2853,7 +2951,7 @@
         </a:bodyPr>
         <a:lstStyle/>
         <a:p>
-          <a:pPr marL="0" lvl="0" indent="0" algn="ctr" defTabSz="800100">
+          <a:pPr lvl="0" algn="ctr" defTabSz="800100">
             <a:lnSpc>
               <a:spcPct val="90000"/>
             </a:lnSpc>
@@ -2863,7 +2961,6 @@
             <a:spcAft>
               <a:spcPct val="35000"/>
             </a:spcAft>
-            <a:buNone/>
           </a:pPr>
           <a:r>
             <a:rPr lang="zh-CN" altLang="en-US" sz="1800" kern="1200" dirty="0"/>
@@ -2926,7 +3023,7 @@
         </a:bodyPr>
         <a:lstStyle/>
         <a:p>
-          <a:pPr marL="0" lvl="0" indent="0" algn="ctr" defTabSz="844550">
+          <a:pPr lvl="0" algn="ctr" defTabSz="844550">
             <a:lnSpc>
               <a:spcPct val="90000"/>
             </a:lnSpc>
@@ -2936,7 +3033,6 @@
             <a:spcAft>
               <a:spcPct val="35000"/>
             </a:spcAft>
-            <a:buNone/>
           </a:pPr>
           <a:endParaRPr lang="zh-CN" altLang="en-US" sz="1900" kern="1200"/>
         </a:p>
@@ -3002,7 +3098,7 @@
         </a:bodyPr>
         <a:lstStyle/>
         <a:p>
-          <a:pPr marL="0" lvl="0" indent="0" algn="ctr" defTabSz="800100">
+          <a:pPr lvl="0" algn="ctr" defTabSz="800100">
             <a:lnSpc>
               <a:spcPct val="90000"/>
             </a:lnSpc>
@@ -3012,7 +3108,6 @@
             <a:spcAft>
               <a:spcPct val="35000"/>
             </a:spcAft>
-            <a:buNone/>
           </a:pPr>
           <a:r>
             <a:rPr lang="zh-CN" altLang="en-US" sz="1800" kern="1200" dirty="0"/>
@@ -3030,7 +3125,7 @@
 </file>
 
 <file path=ppt/diagrams/layout1.xml><?xml version="1.0" encoding="utf-8"?>
-<dgm:layoutDef xmlns:dgm="http://schemas.openxmlformats.org/drawingml/2006/diagram" xmlns:a="http://schemas.openxmlformats.org/drawingml/2006/main" uniqueId="urn:microsoft.com/office/officeart/2005/8/layout/radial2">
+<dgm:layoutDef xmlns:dgm="http://schemas.openxmlformats.org/drawingml/2006/diagram" xmlns:a="http://schemas.openxmlformats.org/drawingml/2006/main" uniqueId="urn:microsoft.com/office/officeart/2005/8/layout/radial2#1">
   <dgm:title val=""/>
   <dgm:desc val=""/>
   <dgm:catLst>
@@ -3521,7 +3616,7 @@
 </file>
 
 <file path=ppt/diagrams/quickStyle1.xml><?xml version="1.0" encoding="utf-8"?>
-<dgm:styleDef xmlns:dgm="http://schemas.openxmlformats.org/drawingml/2006/diagram" xmlns:a="http://schemas.openxmlformats.org/drawingml/2006/main" uniqueId="urn:microsoft.com/office/officeart/2005/8/quickstyle/simple1">
+<dgm:styleDef xmlns:dgm="http://schemas.openxmlformats.org/drawingml/2006/diagram" xmlns:a="http://schemas.openxmlformats.org/drawingml/2006/main" uniqueId="urn:microsoft.com/office/officeart/2005/8/quickstyle/simple1#1">
   <dgm:title val=""/>
   <dgm:desc val=""/>
   <dgm:catLst>
@@ -3536,6 +3631,7 @@
       <a:camera prst="orthographicFront"/>
       <a:lightRig rig="threePt" dir="t"/>
     </dgm:scene3d>
+    <dgm:sp3d/>
     <dgm:txPr/>
     <dgm:style>
       <a:lnRef idx="2">
@@ -3555,6 +3651,7 @@
       <a:camera prst="orthographicFront"/>
       <a:lightRig rig="threePt" dir="t"/>
     </dgm:scene3d>
+    <dgm:sp3d/>
     <dgm:txPr/>
     <dgm:style>
       <a:lnRef idx="2">
@@ -3574,6 +3671,7 @@
       <a:camera prst="orthographicFront"/>
       <a:lightRig rig="threePt" dir="t"/>
     </dgm:scene3d>
+    <dgm:sp3d/>
     <dgm:txPr/>
     <dgm:style>
       <a:lnRef idx="2">
@@ -3593,6 +3691,7 @@
       <a:camera prst="orthographicFront"/>
       <a:lightRig rig="threePt" dir="t"/>
     </dgm:scene3d>
+    <dgm:sp3d/>
     <dgm:txPr/>
     <dgm:style>
       <a:lnRef idx="2">
@@ -3614,6 +3713,7 @@
       <a:camera prst="orthographicFront"/>
       <a:lightRig rig="threePt" dir="t"/>
     </dgm:scene3d>
+    <dgm:sp3d/>
     <dgm:txPr/>
     <dgm:style>
       <a:lnRef idx="2">
@@ -3635,6 +3735,7 @@
       <a:camera prst="orthographicFront"/>
       <a:lightRig rig="threePt" dir="t"/>
     </dgm:scene3d>
+    <dgm:sp3d/>
     <dgm:txPr/>
     <dgm:style>
       <a:lnRef idx="2">
@@ -3656,6 +3757,7 @@
       <a:camera prst="orthographicFront"/>
       <a:lightRig rig="threePt" dir="t"/>
     </dgm:scene3d>
+    <dgm:sp3d/>
     <dgm:txPr/>
     <dgm:style>
       <a:lnRef idx="2">
@@ -3677,6 +3779,7 @@
       <a:camera prst="orthographicFront"/>
       <a:lightRig rig="threePt" dir="t"/>
     </dgm:scene3d>
+    <dgm:sp3d/>
     <dgm:txPr/>
     <dgm:style>
       <a:lnRef idx="2">
@@ -3698,6 +3801,7 @@
       <a:camera prst="orthographicFront"/>
       <a:lightRig rig="threePt" dir="t"/>
     </dgm:scene3d>
+    <dgm:sp3d/>
     <dgm:txPr/>
     <dgm:style>
       <a:lnRef idx="2">
@@ -3719,6 +3823,7 @@
       <a:camera prst="orthographicFront"/>
       <a:lightRig rig="threePt" dir="t"/>
     </dgm:scene3d>
+    <dgm:sp3d/>
     <dgm:txPr/>
     <dgm:style>
       <a:lnRef idx="2">
@@ -3738,6 +3843,7 @@
       <a:camera prst="orthographicFront"/>
       <a:lightRig rig="threePt" dir="t"/>
     </dgm:scene3d>
+    <dgm:sp3d/>
     <dgm:txPr/>
     <dgm:style>
       <a:lnRef idx="2">
@@ -3757,6 +3863,7 @@
       <a:camera prst="orthographicFront"/>
       <a:lightRig rig="threePt" dir="t"/>
     </dgm:scene3d>
+    <dgm:sp3d/>
     <dgm:txPr/>
     <dgm:style>
       <a:lnRef idx="2">
@@ -3776,6 +3883,7 @@
       <a:camera prst="orthographicFront"/>
       <a:lightRig rig="threePt" dir="t"/>
     </dgm:scene3d>
+    <dgm:sp3d/>
     <dgm:txPr/>
     <dgm:style>
       <a:lnRef idx="0">
@@ -3795,6 +3903,7 @@
       <a:camera prst="orthographicFront"/>
       <a:lightRig rig="threePt" dir="t"/>
     </dgm:scene3d>
+    <dgm:sp3d/>
     <dgm:txPr/>
     <dgm:style>
       <a:lnRef idx="0">
@@ -3816,6 +3925,7 @@
       <a:camera prst="orthographicFront"/>
       <a:lightRig rig="threePt" dir="t"/>
     </dgm:scene3d>
+    <dgm:sp3d/>
     <dgm:txPr/>
     <dgm:style>
       <a:lnRef idx="2">
@@ -3835,6 +3945,7 @@
       <a:camera prst="orthographicFront"/>
       <a:lightRig rig="threePt" dir="t"/>
     </dgm:scene3d>
+    <dgm:sp3d/>
     <dgm:txPr/>
     <dgm:style>
       <a:lnRef idx="2">
@@ -3854,6 +3965,7 @@
       <a:camera prst="orthographicFront"/>
       <a:lightRig rig="threePt" dir="t"/>
     </dgm:scene3d>
+    <dgm:sp3d/>
     <dgm:txPr/>
     <dgm:style>
       <a:lnRef idx="0">
@@ -3873,6 +3985,7 @@
       <a:camera prst="orthographicFront"/>
       <a:lightRig rig="threePt" dir="t"/>
     </dgm:scene3d>
+    <dgm:sp3d/>
     <dgm:txPr/>
     <dgm:style>
       <a:lnRef idx="2">
@@ -3892,6 +4005,7 @@
       <a:camera prst="orthographicFront"/>
       <a:lightRig rig="threePt" dir="t"/>
     </dgm:scene3d>
+    <dgm:sp3d/>
     <dgm:txPr/>
     <dgm:style>
       <a:lnRef idx="2">
@@ -3911,6 +4025,7 @@
       <a:camera prst="orthographicFront"/>
       <a:lightRig rig="threePt" dir="t"/>
     </dgm:scene3d>
+    <dgm:sp3d/>
     <dgm:txPr/>
     <dgm:style>
       <a:lnRef idx="2">
@@ -3930,6 +4045,7 @@
       <a:camera prst="orthographicFront"/>
       <a:lightRig rig="threePt" dir="t"/>
     </dgm:scene3d>
+    <dgm:sp3d/>
     <dgm:txPr/>
     <dgm:style>
       <a:lnRef idx="2">
@@ -3949,6 +4065,7 @@
       <a:camera prst="orthographicFront"/>
       <a:lightRig rig="threePt" dir="t"/>
     </dgm:scene3d>
+    <dgm:sp3d/>
     <dgm:txPr/>
     <dgm:style>
       <a:lnRef idx="2">
@@ -3968,6 +4085,7 @@
       <a:camera prst="orthographicFront"/>
       <a:lightRig rig="threePt" dir="t"/>
     </dgm:scene3d>
+    <dgm:sp3d/>
     <dgm:txPr/>
     <dgm:style>
       <a:lnRef idx="2">
@@ -3987,6 +4105,7 @@
       <a:camera prst="orthographicFront"/>
       <a:lightRig rig="threePt" dir="t"/>
     </dgm:scene3d>
+    <dgm:sp3d/>
     <dgm:txPr/>
     <dgm:style>
       <a:lnRef idx="2">
@@ -4006,6 +4125,7 @@
       <a:camera prst="orthographicFront"/>
       <a:lightRig rig="threePt" dir="t"/>
     </dgm:scene3d>
+    <dgm:sp3d/>
     <dgm:txPr/>
     <dgm:style>
       <a:lnRef idx="2">
@@ -4025,6 +4145,7 @@
       <a:camera prst="orthographicFront"/>
       <a:lightRig rig="threePt" dir="t"/>
     </dgm:scene3d>
+    <dgm:sp3d/>
     <dgm:txPr/>
     <dgm:style>
       <a:lnRef idx="0">
@@ -4046,6 +4167,7 @@
       <a:camera prst="orthographicFront"/>
       <a:lightRig rig="threePt" dir="t"/>
     </dgm:scene3d>
+    <dgm:sp3d/>
     <dgm:txPr/>
     <dgm:style>
       <a:lnRef idx="2">
@@ -4067,6 +4189,7 @@
       <a:camera prst="orthographicFront"/>
       <a:lightRig rig="threePt" dir="t"/>
     </dgm:scene3d>
+    <dgm:sp3d/>
     <dgm:txPr/>
     <dgm:style>
       <a:lnRef idx="2">
@@ -4088,6 +4211,7 @@
       <a:camera prst="orthographicFront"/>
       <a:lightRig rig="threePt" dir="t"/>
     </dgm:scene3d>
+    <dgm:sp3d/>
     <dgm:txPr/>
     <dgm:style>
       <a:lnRef idx="2">
@@ -4109,6 +4233,7 @@
       <a:camera prst="orthographicFront"/>
       <a:lightRig rig="threePt" dir="t"/>
     </dgm:scene3d>
+    <dgm:sp3d/>
     <dgm:txPr/>
     <dgm:style>
       <a:lnRef idx="2">
@@ -4130,6 +4255,7 @@
       <a:camera prst="orthographicFront"/>
       <a:lightRig rig="threePt" dir="t"/>
     </dgm:scene3d>
+    <dgm:sp3d/>
     <dgm:txPr/>
     <dgm:style>
       <a:lnRef idx="2">
@@ -4151,6 +4277,7 @@
       <a:camera prst="orthographicFront"/>
       <a:lightRig rig="threePt" dir="t"/>
     </dgm:scene3d>
+    <dgm:sp3d/>
     <dgm:txPr/>
     <dgm:style>
       <a:lnRef idx="2">
@@ -4172,6 +4299,7 @@
       <a:camera prst="orthographicFront"/>
       <a:lightRig rig="threePt" dir="t"/>
     </dgm:scene3d>
+    <dgm:sp3d/>
     <dgm:txPr/>
     <dgm:style>
       <a:lnRef idx="2">
@@ -4191,6 +4319,7 @@
       <a:camera prst="orthographicFront"/>
       <a:lightRig rig="threePt" dir="t"/>
     </dgm:scene3d>
+    <dgm:sp3d/>
     <dgm:txPr/>
     <dgm:style>
       <a:lnRef idx="2">
@@ -4210,6 +4339,7 @@
       <a:camera prst="orthographicFront"/>
       <a:lightRig rig="threePt" dir="t"/>
     </dgm:scene3d>
+    <dgm:sp3d/>
     <dgm:txPr/>
     <dgm:style>
       <a:lnRef idx="2">
@@ -4229,6 +4359,7 @@
       <a:camera prst="orthographicFront"/>
       <a:lightRig rig="threePt" dir="t"/>
     </dgm:scene3d>
+    <dgm:sp3d/>
     <dgm:txPr/>
     <dgm:style>
       <a:lnRef idx="2">
@@ -4248,6 +4379,7 @@
       <a:camera prst="orthographicFront"/>
       <a:lightRig rig="threePt" dir="t"/>
     </dgm:scene3d>
+    <dgm:sp3d/>
     <dgm:txPr/>
     <dgm:style>
       <a:lnRef idx="2">
@@ -4269,6 +4401,7 @@
       <a:camera prst="orthographicFront"/>
       <a:lightRig rig="threePt" dir="t"/>
     </dgm:scene3d>
+    <dgm:sp3d/>
     <dgm:txPr/>
     <dgm:style>
       <a:lnRef idx="2">
@@ -4290,6 +4423,7 @@
       <a:camera prst="orthographicFront"/>
       <a:lightRig rig="threePt" dir="t"/>
     </dgm:scene3d>
+    <dgm:sp3d/>
     <dgm:txPr/>
     <dgm:style>
       <a:lnRef idx="2">
@@ -4311,6 +4445,7 @@
       <a:camera prst="orthographicFront"/>
       <a:lightRig rig="threePt" dir="t"/>
     </dgm:scene3d>
+    <dgm:sp3d/>
     <dgm:txPr/>
     <dgm:style>
       <a:lnRef idx="2">
@@ -4332,6 +4467,7 @@
       <a:camera prst="orthographicFront"/>
       <a:lightRig rig="threePt" dir="t"/>
     </dgm:scene3d>
+    <dgm:sp3d/>
     <dgm:txPr/>
     <dgm:style>
       <a:lnRef idx="0">
@@ -4351,6 +4487,7 @@
       <a:camera prst="orthographicFront"/>
       <a:lightRig rig="threePt" dir="t"/>
     </dgm:scene3d>
+    <dgm:sp3d/>
     <dgm:txPr/>
     <dgm:style>
       <a:lnRef idx="1">
@@ -4370,6 +4507,7 @@
       <a:camera prst="orthographicFront"/>
       <a:lightRig rig="threePt" dir="t"/>
     </dgm:scene3d>
+    <dgm:sp3d/>
     <dgm:txPr/>
     <dgm:style>
       <a:lnRef idx="0">
@@ -4391,6 +4529,7 @@
       <a:camera prst="orthographicFront"/>
       <a:lightRig rig="threePt" dir="t"/>
     </dgm:scene3d>
+    <dgm:sp3d/>
     <dgm:txPr/>
     <dgm:style>
       <a:lnRef idx="2">
@@ -4410,6 +4549,7 @@
       <a:camera prst="orthographicFront"/>
       <a:lightRig rig="threePt" dir="t"/>
     </dgm:scene3d>
+    <dgm:sp3d/>
     <dgm:txPr/>
     <dgm:style>
       <a:lnRef idx="2">
@@ -4429,6 +4569,7 @@
       <a:camera prst="orthographicFront"/>
       <a:lightRig rig="threePt" dir="t"/>
     </dgm:scene3d>
+    <dgm:sp3d/>
     <dgm:txPr/>
     <dgm:style>
       <a:lnRef idx="2">
@@ -4448,6 +4589,7 @@
       <a:camera prst="orthographicFront"/>
       <a:lightRig rig="threePt" dir="t"/>
     </dgm:scene3d>
+    <dgm:sp3d/>
     <dgm:txPr/>
     <dgm:style>
       <a:lnRef idx="1">
@@ -4467,6 +4609,7 @@
       <a:camera prst="orthographicFront"/>
       <a:lightRig rig="threePt" dir="t"/>
     </dgm:scene3d>
+    <dgm:sp3d/>
     <dgm:txPr/>
     <dgm:style>
       <a:lnRef idx="0">
@@ -4486,6 +4629,7 @@
       <a:camera prst="orthographicFront"/>
       <a:lightRig rig="threePt" dir="t"/>
     </dgm:scene3d>
+    <dgm:sp3d/>
     <dgm:txPr/>
     <dgm:style>
       <a:lnRef idx="2">
@@ -4506,7 +4650,7 @@
 </file>
 
 <file path=ppt/diagrams/quickStyle2.xml><?xml version="1.0" encoding="utf-8"?>
-<dgm:styleDef xmlns:dgm="http://schemas.openxmlformats.org/drawingml/2006/diagram" xmlns:a="http://schemas.openxmlformats.org/drawingml/2006/main" uniqueId="urn:microsoft.com/office/officeart/2005/8/quickstyle/simple1">
+<dgm:styleDef xmlns:dgm="http://schemas.openxmlformats.org/drawingml/2006/diagram" xmlns:a="http://schemas.openxmlformats.org/drawingml/2006/main" uniqueId="urn:microsoft.com/office/officeart/2005/8/quickstyle/simple1#2">
   <dgm:title val=""/>
   <dgm:desc val=""/>
   <dgm:catLst>
@@ -4521,6 +4665,7 @@
       <a:camera prst="orthographicFront"/>
       <a:lightRig rig="threePt" dir="t"/>
     </dgm:scene3d>
+    <dgm:sp3d/>
     <dgm:txPr/>
     <dgm:style>
       <a:lnRef idx="2">
@@ -4540,6 +4685,7 @@
       <a:camera prst="orthographicFront"/>
       <a:lightRig rig="threePt" dir="t"/>
     </dgm:scene3d>
+    <dgm:sp3d/>
     <dgm:txPr/>
     <dgm:style>
       <a:lnRef idx="2">
@@ -4559,6 +4705,7 @@
       <a:camera prst="orthographicFront"/>
       <a:lightRig rig="threePt" dir="t"/>
     </dgm:scene3d>
+    <dgm:sp3d/>
     <dgm:txPr/>
     <dgm:style>
       <a:lnRef idx="2">
@@ -4578,6 +4725,7 @@
       <a:camera prst="orthographicFront"/>
       <a:lightRig rig="threePt" dir="t"/>
     </dgm:scene3d>
+    <dgm:sp3d/>
     <dgm:txPr/>
     <dgm:style>
       <a:lnRef idx="2">
@@ -4599,6 +4747,7 @@
       <a:camera prst="orthographicFront"/>
       <a:lightRig rig="threePt" dir="t"/>
     </dgm:scene3d>
+    <dgm:sp3d/>
     <dgm:txPr/>
     <dgm:style>
       <a:lnRef idx="2">
@@ -4620,6 +4769,7 @@
       <a:camera prst="orthographicFront"/>
       <a:lightRig rig="threePt" dir="t"/>
     </dgm:scene3d>
+    <dgm:sp3d/>
     <dgm:txPr/>
     <dgm:style>
       <a:lnRef idx="2">
@@ -4641,6 +4791,7 @@
       <a:camera prst="orthographicFront"/>
       <a:lightRig rig="threePt" dir="t"/>
     </dgm:scene3d>
+    <dgm:sp3d/>
     <dgm:txPr/>
     <dgm:style>
       <a:lnRef idx="2">
@@ -4662,6 +4813,7 @@
       <a:camera prst="orthographicFront"/>
       <a:lightRig rig="threePt" dir="t"/>
     </dgm:scene3d>
+    <dgm:sp3d/>
     <dgm:txPr/>
     <dgm:style>
       <a:lnRef idx="2">
@@ -4683,6 +4835,7 @@
       <a:camera prst="orthographicFront"/>
       <a:lightRig rig="threePt" dir="t"/>
     </dgm:scene3d>
+    <dgm:sp3d/>
     <dgm:txPr/>
     <dgm:style>
       <a:lnRef idx="2">
@@ -4704,6 +4857,7 @@
       <a:camera prst="orthographicFront"/>
       <a:lightRig rig="threePt" dir="t"/>
     </dgm:scene3d>
+    <dgm:sp3d/>
     <dgm:txPr/>
     <dgm:style>
       <a:lnRef idx="2">
@@ -4723,6 +4877,7 @@
       <a:camera prst="orthographicFront"/>
       <a:lightRig rig="threePt" dir="t"/>
     </dgm:scene3d>
+    <dgm:sp3d/>
     <dgm:txPr/>
     <dgm:style>
       <a:lnRef idx="2">
@@ -4742,6 +4897,7 @@
       <a:camera prst="orthographicFront"/>
       <a:lightRig rig="threePt" dir="t"/>
     </dgm:scene3d>
+    <dgm:sp3d/>
     <dgm:txPr/>
     <dgm:style>
       <a:lnRef idx="2">
@@ -4761,6 +4917,7 @@
       <a:camera prst="orthographicFront"/>
       <a:lightRig rig="threePt" dir="t"/>
     </dgm:scene3d>
+    <dgm:sp3d/>
     <dgm:txPr/>
     <dgm:style>
       <a:lnRef idx="0">
@@ -4780,6 +4937,7 @@
       <a:camera prst="orthographicFront"/>
       <a:lightRig rig="threePt" dir="t"/>
     </dgm:scene3d>
+    <dgm:sp3d/>
     <dgm:txPr/>
     <dgm:style>
       <a:lnRef idx="0">
@@ -4801,6 +4959,7 @@
       <a:camera prst="orthographicFront"/>
       <a:lightRig rig="threePt" dir="t"/>
     </dgm:scene3d>
+    <dgm:sp3d/>
     <dgm:txPr/>
     <dgm:style>
       <a:lnRef idx="2">
@@ -4820,6 +4979,7 @@
       <a:camera prst="orthographicFront"/>
       <a:lightRig rig="threePt" dir="t"/>
     </dgm:scene3d>
+    <dgm:sp3d/>
     <dgm:txPr/>
     <dgm:style>
       <a:lnRef idx="2">
@@ -4839,6 +4999,7 @@
       <a:camera prst="orthographicFront"/>
       <a:lightRig rig="threePt" dir="t"/>
     </dgm:scene3d>
+    <dgm:sp3d/>
     <dgm:txPr/>
     <dgm:style>
       <a:lnRef idx="0">
@@ -4858,6 +5019,7 @@
       <a:camera prst="orthographicFront"/>
       <a:lightRig rig="threePt" dir="t"/>
     </dgm:scene3d>
+    <dgm:sp3d/>
     <dgm:txPr/>
     <dgm:style>
       <a:lnRef idx="2">
@@ -4877,6 +5039,7 @@
       <a:camera prst="orthographicFront"/>
       <a:lightRig rig="threePt" dir="t"/>
     </dgm:scene3d>
+    <dgm:sp3d/>
     <dgm:txPr/>
     <dgm:style>
       <a:lnRef idx="2">
@@ -4896,6 +5059,7 @@
       <a:camera prst="orthographicFront"/>
       <a:lightRig rig="threePt" dir="t"/>
     </dgm:scene3d>
+    <dgm:sp3d/>
     <dgm:txPr/>
     <dgm:style>
       <a:lnRef idx="2">
@@ -4915,6 +5079,7 @@
       <a:camera prst="orthographicFront"/>
       <a:lightRig rig="threePt" dir="t"/>
     </dgm:scene3d>
+    <dgm:sp3d/>
     <dgm:txPr/>
     <dgm:style>
       <a:lnRef idx="2">
@@ -4934,6 +5099,7 @@
       <a:camera prst="orthographicFront"/>
       <a:lightRig rig="threePt" dir="t"/>
     </dgm:scene3d>
+    <dgm:sp3d/>
     <dgm:txPr/>
     <dgm:style>
       <a:lnRef idx="2">
@@ -4953,6 +5119,7 @@
       <a:camera prst="orthographicFront"/>
       <a:lightRig rig="threePt" dir="t"/>
     </dgm:scene3d>
+    <dgm:sp3d/>
     <dgm:txPr/>
     <dgm:style>
       <a:lnRef idx="2">
@@ -4972,6 +5139,7 @@
       <a:camera prst="orthographicFront"/>
       <a:lightRig rig="threePt" dir="t"/>
     </dgm:scene3d>
+    <dgm:sp3d/>
     <dgm:txPr/>
     <dgm:style>
       <a:lnRef idx="2">
@@ -4991,6 +5159,7 @@
       <a:camera prst="orthographicFront"/>
       <a:lightRig rig="threePt" dir="t"/>
     </dgm:scene3d>
+    <dgm:sp3d/>
     <dgm:txPr/>
     <dgm:style>
       <a:lnRef idx="2">
@@ -5010,6 +5179,7 @@
       <a:camera prst="orthographicFront"/>
       <a:lightRig rig="threePt" dir="t"/>
     </dgm:scene3d>
+    <dgm:sp3d/>
     <dgm:txPr/>
     <dgm:style>
       <a:lnRef idx="0">
@@ -5031,6 +5201,7 @@
       <a:camera prst="orthographicFront"/>
       <a:lightRig rig="threePt" dir="t"/>
     </dgm:scene3d>
+    <dgm:sp3d/>
     <dgm:txPr/>
     <dgm:style>
       <a:lnRef idx="2">
@@ -5052,6 +5223,7 @@
       <a:camera prst="orthographicFront"/>
       <a:lightRig rig="threePt" dir="t"/>
     </dgm:scene3d>
+    <dgm:sp3d/>
     <dgm:txPr/>
     <dgm:style>
       <a:lnRef idx="2">
@@ -5073,6 +5245,7 @@
       <a:camera prst="orthographicFront"/>
       <a:lightRig rig="threePt" dir="t"/>
     </dgm:scene3d>
+    <dgm:sp3d/>
     <dgm:txPr/>
     <dgm:style>
       <a:lnRef idx="2">
@@ -5094,6 +5267,7 @@
       <a:camera prst="orthographicFront"/>
       <a:lightRig rig="threePt" dir="t"/>
     </dgm:scene3d>
+    <dgm:sp3d/>
     <dgm:txPr/>
     <dgm:style>
       <a:lnRef idx="2">
@@ -5115,6 +5289,7 @@
       <a:camera prst="orthographicFront"/>
       <a:lightRig rig="threePt" dir="t"/>
     </dgm:scene3d>
+    <dgm:sp3d/>
     <dgm:txPr/>
     <dgm:style>
       <a:lnRef idx="2">
@@ -5136,6 +5311,7 @@
       <a:camera prst="orthographicFront"/>
       <a:lightRig rig="threePt" dir="t"/>
     </dgm:scene3d>
+    <dgm:sp3d/>
     <dgm:txPr/>
     <dgm:style>
       <a:lnRef idx="2">
@@ -5157,6 +5333,7 @@
       <a:camera prst="orthographicFront"/>
       <a:lightRig rig="threePt" dir="t"/>
     </dgm:scene3d>
+    <dgm:sp3d/>
     <dgm:txPr/>
     <dgm:style>
       <a:lnRef idx="2">
@@ -5176,6 +5353,7 @@
       <a:camera prst="orthographicFront"/>
       <a:lightRig rig="threePt" dir="t"/>
     </dgm:scene3d>
+    <dgm:sp3d/>
     <dgm:txPr/>
     <dgm:style>
       <a:lnRef idx="2">
@@ -5195,6 +5373,7 @@
       <a:camera prst="orthographicFront"/>
       <a:lightRig rig="threePt" dir="t"/>
     </dgm:scene3d>
+    <dgm:sp3d/>
     <dgm:txPr/>
     <dgm:style>
       <a:lnRef idx="2">
@@ -5214,6 +5393,7 @@
       <a:camera prst="orthographicFront"/>
       <a:lightRig rig="threePt" dir="t"/>
     </dgm:scene3d>
+    <dgm:sp3d/>
     <dgm:txPr/>
     <dgm:style>
       <a:lnRef idx="2">
@@ -5233,6 +5413,7 @@
       <a:camera prst="orthographicFront"/>
       <a:lightRig rig="threePt" dir="t"/>
     </dgm:scene3d>
+    <dgm:sp3d/>
     <dgm:txPr/>
     <dgm:style>
       <a:lnRef idx="2">
@@ -5254,6 +5435,7 @@
       <a:camera prst="orthographicFront"/>
       <a:lightRig rig="threePt" dir="t"/>
     </dgm:scene3d>
+    <dgm:sp3d/>
     <dgm:txPr/>
     <dgm:style>
       <a:lnRef idx="2">
@@ -5275,6 +5457,7 @@
       <a:camera prst="orthographicFront"/>
       <a:lightRig rig="threePt" dir="t"/>
     </dgm:scene3d>
+    <dgm:sp3d/>
     <dgm:txPr/>
     <dgm:style>
       <a:lnRef idx="2">
@@ -5296,6 +5479,7 @@
       <a:camera prst="orthographicFront"/>
       <a:lightRig rig="threePt" dir="t"/>
     </dgm:scene3d>
+    <dgm:sp3d/>
     <dgm:txPr/>
     <dgm:style>
       <a:lnRef idx="2">
@@ -5317,6 +5501,7 @@
       <a:camera prst="orthographicFront"/>
       <a:lightRig rig="threePt" dir="t"/>
     </dgm:scene3d>
+    <dgm:sp3d/>
     <dgm:txPr/>
     <dgm:style>
       <a:lnRef idx="0">
@@ -5336,6 +5521,7 @@
       <a:camera prst="orthographicFront"/>
       <a:lightRig rig="threePt" dir="t"/>
     </dgm:scene3d>
+    <dgm:sp3d/>
     <dgm:txPr/>
     <dgm:style>
       <a:lnRef idx="1">
@@ -5355,6 +5541,7 @@
       <a:camera prst="orthographicFront"/>
       <a:lightRig rig="threePt" dir="t"/>
     </dgm:scene3d>
+    <dgm:sp3d/>
     <dgm:txPr/>
     <dgm:style>
       <a:lnRef idx="0">
@@ -5376,6 +5563,7 @@
       <a:camera prst="orthographicFront"/>
       <a:lightRig rig="threePt" dir="t"/>
     </dgm:scene3d>
+    <dgm:sp3d/>
     <dgm:txPr/>
     <dgm:style>
       <a:lnRef idx="2">
@@ -5395,6 +5583,7 @@
       <a:camera prst="orthographicFront"/>
       <a:lightRig rig="threePt" dir="t"/>
     </dgm:scene3d>
+    <dgm:sp3d/>
     <dgm:txPr/>
     <dgm:style>
       <a:lnRef idx="2">
@@ -5414,6 +5603,7 @@
       <a:camera prst="orthographicFront"/>
       <a:lightRig rig="threePt" dir="t"/>
     </dgm:scene3d>
+    <dgm:sp3d/>
     <dgm:txPr/>
     <dgm:style>
       <a:lnRef idx="2">
@@ -5433,6 +5623,7 @@
       <a:camera prst="orthographicFront"/>
       <a:lightRig rig="threePt" dir="t"/>
     </dgm:scene3d>
+    <dgm:sp3d/>
     <dgm:txPr/>
     <dgm:style>
       <a:lnRef idx="1">
@@ -5452,6 +5643,7 @@
       <a:camera prst="orthographicFront"/>
       <a:lightRig rig="threePt" dir="t"/>
     </dgm:scene3d>
+    <dgm:sp3d/>
     <dgm:txPr/>
     <dgm:style>
       <a:lnRef idx="0">
@@ -5471,6 +5663,7 @@
       <a:camera prst="orthographicFront"/>
       <a:lightRig rig="threePt" dir="t"/>
     </dgm:scene3d>
+    <dgm:sp3d/>
     <dgm:txPr/>
     <dgm:style>
       <a:lnRef idx="2">
@@ -5572,6 +5765,7 @@
           <a:p>
             <a:fld id="{F1ED697F-0D4F-4549-9C53-2594AB2782D3}" type="datetimeFigureOut">
               <a:rPr lang="zh-CN" altLang="en-US" smtClean="0"/>
+              <a:t>2018/3/12</a:t>
             </a:fld>
             <a:endParaRPr lang="zh-CN" altLang="en-US"/>
           </a:p>
@@ -5638,7 +5832,6 @@
               <a:rPr lang="zh-CN" altLang="en-US"/>
               <a:t>单击此处编辑母版文本样式</a:t>
             </a:r>
-            <a:endParaRPr lang="zh-CN" altLang="en-US"/>
           </a:p>
           <a:p>
             <a:pPr lvl="1"/>
@@ -5646,7 +5839,6 @@
               <a:rPr lang="zh-CN" altLang="en-US"/>
               <a:t>第二级</a:t>
             </a:r>
-            <a:endParaRPr lang="zh-CN" altLang="en-US"/>
           </a:p>
           <a:p>
             <a:pPr lvl="2"/>
@@ -5654,7 +5846,6 @@
               <a:rPr lang="zh-CN" altLang="en-US"/>
               <a:t>第三级</a:t>
             </a:r>
-            <a:endParaRPr lang="zh-CN" altLang="en-US"/>
           </a:p>
           <a:p>
             <a:pPr lvl="3"/>
@@ -5662,7 +5853,6 @@
               <a:rPr lang="zh-CN" altLang="en-US"/>
               <a:t>第四级</a:t>
             </a:r>
-            <a:endParaRPr lang="zh-CN" altLang="en-US"/>
           </a:p>
           <a:p>
             <a:pPr lvl="4"/>
@@ -5670,7 +5860,6 @@
               <a:rPr lang="zh-CN" altLang="en-US"/>
               <a:t>第五级</a:t>
             </a:r>
-            <a:endParaRPr lang="zh-CN" altLang="en-US"/>
           </a:p>
         </p:txBody>
       </p:sp>
@@ -5734,6 +5923,7 @@
           <a:p>
             <a:fld id="{9C6ECF15-3F18-4EAE-AF33-7363BF4D6F76}" type="slidenum">
               <a:rPr lang="zh-CN" altLang="en-US" smtClean="0"/>
+              <a:t>‹#›</a:t>
             </a:fld>
             <a:endParaRPr lang="zh-CN" altLang="en-US"/>
           </a:p>
@@ -5878,7 +6068,6 @@
               <a:rPr lang="zh-CN" altLang="en-US"/>
               <a:t>单击此处编辑母版标题样式</a:t>
             </a:r>
-            <a:endParaRPr lang="zh-CN" altLang="en-US"/>
           </a:p>
         </p:txBody>
       </p:sp>
@@ -5997,7 +6186,6 @@
               <a:rPr lang="zh-CN" altLang="en-US"/>
               <a:t>单击此处编辑母版副标题样式</a:t>
             </a:r>
-            <a:endParaRPr lang="zh-CN" altLang="en-US"/>
           </a:p>
         </p:txBody>
       </p:sp>
@@ -6018,6 +6206,7 @@
           <a:p>
             <a:fld id="{C9A525C2-A1C0-41DF-902C-1C7002BACC2D}" type="datetimeFigureOut">
               <a:rPr lang="zh-CN" altLang="en-US" smtClean="0"/>
+              <a:t>2018/3/12</a:t>
             </a:fld>
             <a:endParaRPr lang="zh-CN" altLang="en-US"/>
           </a:p>
@@ -6059,6 +6248,7 @@
           <a:p>
             <a:fld id="{3307EBEE-7414-4D5F-9BA0-090EC3DD023E}" type="slidenum">
               <a:rPr lang="zh-CN" altLang="en-US" smtClean="0"/>
+              <a:t>‹#›</a:t>
             </a:fld>
             <a:endParaRPr lang="zh-CN" altLang="en-US"/>
           </a:p>
@@ -6108,7 +6298,6 @@
               <a:rPr lang="zh-CN" altLang="en-US"/>
               <a:t>单击此处编辑母版标题样式</a:t>
             </a:r>
-            <a:endParaRPr lang="zh-CN" altLang="en-US"/>
           </a:p>
         </p:txBody>
       </p:sp>
@@ -6132,7 +6321,6 @@
               <a:rPr lang="zh-CN" altLang="en-US"/>
               <a:t>单击此处编辑母版文本样式</a:t>
             </a:r>
-            <a:endParaRPr lang="zh-CN" altLang="en-US"/>
           </a:p>
           <a:p>
             <a:pPr lvl="1"/>
@@ -6140,7 +6328,6 @@
               <a:rPr lang="zh-CN" altLang="en-US"/>
               <a:t>第二级</a:t>
             </a:r>
-            <a:endParaRPr lang="zh-CN" altLang="en-US"/>
           </a:p>
           <a:p>
             <a:pPr lvl="2"/>
@@ -6148,7 +6335,6 @@
               <a:rPr lang="zh-CN" altLang="en-US"/>
               <a:t>第三级</a:t>
             </a:r>
-            <a:endParaRPr lang="zh-CN" altLang="en-US"/>
           </a:p>
           <a:p>
             <a:pPr lvl="3"/>
@@ -6156,7 +6342,6 @@
               <a:rPr lang="zh-CN" altLang="en-US"/>
               <a:t>第四级</a:t>
             </a:r>
-            <a:endParaRPr lang="zh-CN" altLang="en-US"/>
           </a:p>
           <a:p>
             <a:pPr lvl="4"/>
@@ -6164,7 +6349,6 @@
               <a:rPr lang="zh-CN" altLang="en-US"/>
               <a:t>第五级</a:t>
             </a:r>
-            <a:endParaRPr lang="zh-CN" altLang="en-US"/>
           </a:p>
         </p:txBody>
       </p:sp>
@@ -6185,6 +6369,7 @@
           <a:p>
             <a:fld id="{C9A525C2-A1C0-41DF-902C-1C7002BACC2D}" type="datetimeFigureOut">
               <a:rPr lang="zh-CN" altLang="en-US" smtClean="0"/>
+              <a:t>2018/3/12</a:t>
             </a:fld>
             <a:endParaRPr lang="zh-CN" altLang="en-US"/>
           </a:p>
@@ -6226,6 +6411,7 @@
           <a:p>
             <a:fld id="{3307EBEE-7414-4D5F-9BA0-090EC3DD023E}" type="slidenum">
               <a:rPr lang="zh-CN" altLang="en-US" smtClean="0"/>
+              <a:t>‹#›</a:t>
             </a:fld>
             <a:endParaRPr lang="zh-CN" altLang="en-US"/>
           </a:p>
@@ -6280,7 +6466,6 @@
               <a:rPr lang="zh-CN" altLang="en-US"/>
               <a:t>单击此处编辑母版标题样式</a:t>
             </a:r>
-            <a:endParaRPr lang="zh-CN" altLang="en-US"/>
           </a:p>
         </p:txBody>
       </p:sp>
@@ -6309,7 +6494,6 @@
               <a:rPr lang="zh-CN" altLang="en-US"/>
               <a:t>单击此处编辑母版文本样式</a:t>
             </a:r>
-            <a:endParaRPr lang="zh-CN" altLang="en-US"/>
           </a:p>
           <a:p>
             <a:pPr lvl="1"/>
@@ -6317,7 +6501,6 @@
               <a:rPr lang="zh-CN" altLang="en-US"/>
               <a:t>第二级</a:t>
             </a:r>
-            <a:endParaRPr lang="zh-CN" altLang="en-US"/>
           </a:p>
           <a:p>
             <a:pPr lvl="2"/>
@@ -6325,7 +6508,6 @@
               <a:rPr lang="zh-CN" altLang="en-US"/>
               <a:t>第三级</a:t>
             </a:r>
-            <a:endParaRPr lang="zh-CN" altLang="en-US"/>
           </a:p>
           <a:p>
             <a:pPr lvl="3"/>
@@ -6333,7 +6515,6 @@
               <a:rPr lang="zh-CN" altLang="en-US"/>
               <a:t>第四级</a:t>
             </a:r>
-            <a:endParaRPr lang="zh-CN" altLang="en-US"/>
           </a:p>
           <a:p>
             <a:pPr lvl="4"/>
@@ -6341,7 +6522,6 @@
               <a:rPr lang="zh-CN" altLang="en-US"/>
               <a:t>第五级</a:t>
             </a:r>
-            <a:endParaRPr lang="zh-CN" altLang="en-US"/>
           </a:p>
         </p:txBody>
       </p:sp>
@@ -6362,6 +6542,7 @@
           <a:p>
             <a:fld id="{C9A525C2-A1C0-41DF-902C-1C7002BACC2D}" type="datetimeFigureOut">
               <a:rPr lang="zh-CN" altLang="en-US" smtClean="0"/>
+              <a:t>2018/3/12</a:t>
             </a:fld>
             <a:endParaRPr lang="zh-CN" altLang="en-US"/>
           </a:p>
@@ -6403,6 +6584,7 @@
           <a:p>
             <a:fld id="{3307EBEE-7414-4D5F-9BA0-090EC3DD023E}" type="slidenum">
               <a:rPr lang="zh-CN" altLang="en-US" smtClean="0"/>
+              <a:t>‹#›</a:t>
             </a:fld>
             <a:endParaRPr lang="zh-CN" altLang="en-US"/>
           </a:p>
@@ -7014,7 +7196,6 @@
               <a:rPr lang="zh-CN" altLang="en-US"/>
               <a:t>单击此处编辑母版标题样式</a:t>
             </a:r>
-            <a:endParaRPr lang="zh-CN" altLang="en-US"/>
           </a:p>
         </p:txBody>
       </p:sp>
@@ -7038,7 +7219,6 @@
               <a:rPr lang="zh-CN" altLang="en-US"/>
               <a:t>单击此处编辑母版文本样式</a:t>
             </a:r>
-            <a:endParaRPr lang="zh-CN" altLang="en-US"/>
           </a:p>
           <a:p>
             <a:pPr lvl="1"/>
@@ -7046,7 +7226,6 @@
               <a:rPr lang="zh-CN" altLang="en-US"/>
               <a:t>第二级</a:t>
             </a:r>
-            <a:endParaRPr lang="zh-CN" altLang="en-US"/>
           </a:p>
           <a:p>
             <a:pPr lvl="2"/>
@@ -7054,7 +7233,6 @@
               <a:rPr lang="zh-CN" altLang="en-US"/>
               <a:t>第三级</a:t>
             </a:r>
-            <a:endParaRPr lang="zh-CN" altLang="en-US"/>
           </a:p>
           <a:p>
             <a:pPr lvl="3"/>
@@ -7062,7 +7240,6 @@
               <a:rPr lang="zh-CN" altLang="en-US"/>
               <a:t>第四级</a:t>
             </a:r>
-            <a:endParaRPr lang="zh-CN" altLang="en-US"/>
           </a:p>
           <a:p>
             <a:pPr lvl="4"/>
@@ -7070,7 +7247,6 @@
               <a:rPr lang="zh-CN" altLang="en-US"/>
               <a:t>第五级</a:t>
             </a:r>
-            <a:endParaRPr lang="zh-CN" altLang="en-US"/>
           </a:p>
         </p:txBody>
       </p:sp>
@@ -7091,6 +7267,7 @@
           <a:p>
             <a:fld id="{C9A525C2-A1C0-41DF-902C-1C7002BACC2D}" type="datetimeFigureOut">
               <a:rPr lang="zh-CN" altLang="en-US" smtClean="0"/>
+              <a:t>2018/3/12</a:t>
             </a:fld>
             <a:endParaRPr lang="zh-CN" altLang="en-US"/>
           </a:p>
@@ -7132,6 +7309,7 @@
           <a:p>
             <a:fld id="{3307EBEE-7414-4D5F-9BA0-090EC3DD023E}" type="slidenum">
               <a:rPr lang="zh-CN" altLang="en-US" smtClean="0"/>
+              <a:t>‹#›</a:t>
             </a:fld>
             <a:endParaRPr lang="zh-CN" altLang="en-US"/>
           </a:p>
@@ -7190,7 +7368,6 @@
               <a:rPr lang="zh-CN" altLang="en-US"/>
               <a:t>单击此处编辑母版标题样式</a:t>
             </a:r>
-            <a:endParaRPr lang="zh-CN" altLang="en-US"/>
           </a:p>
         </p:txBody>
       </p:sp>
@@ -7310,7 +7487,6 @@
               <a:rPr lang="zh-CN" altLang="en-US"/>
               <a:t>单击此处编辑母版文本样式</a:t>
             </a:r>
-            <a:endParaRPr lang="zh-CN" altLang="en-US"/>
           </a:p>
         </p:txBody>
       </p:sp>
@@ -7331,6 +7507,7 @@
           <a:p>
             <a:fld id="{C9A525C2-A1C0-41DF-902C-1C7002BACC2D}" type="datetimeFigureOut">
               <a:rPr lang="zh-CN" altLang="en-US" smtClean="0"/>
+              <a:t>2018/3/12</a:t>
             </a:fld>
             <a:endParaRPr lang="zh-CN" altLang="en-US"/>
           </a:p>
@@ -7372,6 +7549,7 @@
           <a:p>
             <a:fld id="{3307EBEE-7414-4D5F-9BA0-090EC3DD023E}" type="slidenum">
               <a:rPr lang="zh-CN" altLang="en-US" smtClean="0"/>
+              <a:t>‹#›</a:t>
             </a:fld>
             <a:endParaRPr lang="zh-CN" altLang="en-US"/>
           </a:p>
@@ -7421,7 +7599,6 @@
               <a:rPr lang="zh-CN" altLang="en-US"/>
               <a:t>单击此处编辑母版标题样式</a:t>
             </a:r>
-            <a:endParaRPr lang="zh-CN" altLang="en-US"/>
           </a:p>
         </p:txBody>
       </p:sp>
@@ -7478,7 +7655,6 @@
               <a:rPr lang="zh-CN" altLang="en-US"/>
               <a:t>单击此处编辑母版文本样式</a:t>
             </a:r>
-            <a:endParaRPr lang="zh-CN" altLang="en-US"/>
           </a:p>
           <a:p>
             <a:pPr lvl="1"/>
@@ -7486,7 +7662,6 @@
               <a:rPr lang="zh-CN" altLang="en-US"/>
               <a:t>第二级</a:t>
             </a:r>
-            <a:endParaRPr lang="zh-CN" altLang="en-US"/>
           </a:p>
           <a:p>
             <a:pPr lvl="2"/>
@@ -7494,7 +7669,6 @@
               <a:rPr lang="zh-CN" altLang="en-US"/>
               <a:t>第三级</a:t>
             </a:r>
-            <a:endParaRPr lang="zh-CN" altLang="en-US"/>
           </a:p>
           <a:p>
             <a:pPr lvl="3"/>
@@ -7502,7 +7676,6 @@
               <a:rPr lang="zh-CN" altLang="en-US"/>
               <a:t>第四级</a:t>
             </a:r>
-            <a:endParaRPr lang="zh-CN" altLang="en-US"/>
           </a:p>
           <a:p>
             <a:pPr lvl="4"/>
@@ -7510,7 +7683,6 @@
               <a:rPr lang="zh-CN" altLang="en-US"/>
               <a:t>第五级</a:t>
             </a:r>
-            <a:endParaRPr lang="zh-CN" altLang="en-US"/>
           </a:p>
         </p:txBody>
       </p:sp>
@@ -7567,7 +7739,6 @@
               <a:rPr lang="zh-CN" altLang="en-US"/>
               <a:t>单击此处编辑母版文本样式</a:t>
             </a:r>
-            <a:endParaRPr lang="zh-CN" altLang="en-US"/>
           </a:p>
           <a:p>
             <a:pPr lvl="1"/>
@@ -7575,7 +7746,6 @@
               <a:rPr lang="zh-CN" altLang="en-US"/>
               <a:t>第二级</a:t>
             </a:r>
-            <a:endParaRPr lang="zh-CN" altLang="en-US"/>
           </a:p>
           <a:p>
             <a:pPr lvl="2"/>
@@ -7583,7 +7753,6 @@
               <a:rPr lang="zh-CN" altLang="en-US"/>
               <a:t>第三级</a:t>
             </a:r>
-            <a:endParaRPr lang="zh-CN" altLang="en-US"/>
           </a:p>
           <a:p>
             <a:pPr lvl="3"/>
@@ -7591,7 +7760,6 @@
               <a:rPr lang="zh-CN" altLang="en-US"/>
               <a:t>第四级</a:t>
             </a:r>
-            <a:endParaRPr lang="zh-CN" altLang="en-US"/>
           </a:p>
           <a:p>
             <a:pPr lvl="4"/>
@@ -7599,7 +7767,6 @@
               <a:rPr lang="zh-CN" altLang="en-US"/>
               <a:t>第五级</a:t>
             </a:r>
-            <a:endParaRPr lang="zh-CN" altLang="en-US"/>
           </a:p>
         </p:txBody>
       </p:sp>
@@ -7620,6 +7787,7 @@
           <a:p>
             <a:fld id="{C9A525C2-A1C0-41DF-902C-1C7002BACC2D}" type="datetimeFigureOut">
               <a:rPr lang="zh-CN" altLang="en-US" smtClean="0"/>
+              <a:t>2018/3/12</a:t>
             </a:fld>
             <a:endParaRPr lang="zh-CN" altLang="en-US"/>
           </a:p>
@@ -7661,6 +7829,7 @@
           <a:p>
             <a:fld id="{3307EBEE-7414-4D5F-9BA0-090EC3DD023E}" type="slidenum">
               <a:rPr lang="zh-CN" altLang="en-US" smtClean="0"/>
+              <a:t>‹#›</a:t>
             </a:fld>
             <a:endParaRPr lang="zh-CN" altLang="en-US"/>
           </a:p>
@@ -7714,7 +7883,6 @@
               <a:rPr lang="zh-CN" altLang="en-US"/>
               <a:t>单击此处编辑母版标题样式</a:t>
             </a:r>
-            <a:endParaRPr lang="zh-CN" altLang="en-US"/>
           </a:p>
         </p:txBody>
       </p:sp>
@@ -7780,7 +7948,6 @@
               <a:rPr lang="zh-CN" altLang="en-US"/>
               <a:t>单击此处编辑母版文本样式</a:t>
             </a:r>
-            <a:endParaRPr lang="zh-CN" altLang="en-US"/>
           </a:p>
         </p:txBody>
       </p:sp>
@@ -7837,7 +8004,6 @@
               <a:rPr lang="zh-CN" altLang="en-US"/>
               <a:t>单击此处编辑母版文本样式</a:t>
             </a:r>
-            <a:endParaRPr lang="zh-CN" altLang="en-US"/>
           </a:p>
           <a:p>
             <a:pPr lvl="1"/>
@@ -7845,7 +8011,6 @@
               <a:rPr lang="zh-CN" altLang="en-US"/>
               <a:t>第二级</a:t>
             </a:r>
-            <a:endParaRPr lang="zh-CN" altLang="en-US"/>
           </a:p>
           <a:p>
             <a:pPr lvl="2"/>
@@ -7853,7 +8018,6 @@
               <a:rPr lang="zh-CN" altLang="en-US"/>
               <a:t>第三级</a:t>
             </a:r>
-            <a:endParaRPr lang="zh-CN" altLang="en-US"/>
           </a:p>
           <a:p>
             <a:pPr lvl="3"/>
@@ -7861,7 +8025,6 @@
               <a:rPr lang="zh-CN" altLang="en-US"/>
               <a:t>第四级</a:t>
             </a:r>
-            <a:endParaRPr lang="zh-CN" altLang="en-US"/>
           </a:p>
           <a:p>
             <a:pPr lvl="4"/>
@@ -7869,7 +8032,6 @@
               <a:rPr lang="zh-CN" altLang="en-US"/>
               <a:t>第五级</a:t>
             </a:r>
-            <a:endParaRPr lang="zh-CN" altLang="en-US"/>
           </a:p>
         </p:txBody>
       </p:sp>
@@ -7935,7 +8097,6 @@
               <a:rPr lang="zh-CN" altLang="en-US"/>
               <a:t>单击此处编辑母版文本样式</a:t>
             </a:r>
-            <a:endParaRPr lang="zh-CN" altLang="en-US"/>
           </a:p>
         </p:txBody>
       </p:sp>
@@ -7992,7 +8153,6 @@
               <a:rPr lang="zh-CN" altLang="en-US"/>
               <a:t>单击此处编辑母版文本样式</a:t>
             </a:r>
-            <a:endParaRPr lang="zh-CN" altLang="en-US"/>
           </a:p>
           <a:p>
             <a:pPr lvl="1"/>
@@ -8000,7 +8160,6 @@
               <a:rPr lang="zh-CN" altLang="en-US"/>
               <a:t>第二级</a:t>
             </a:r>
-            <a:endParaRPr lang="zh-CN" altLang="en-US"/>
           </a:p>
           <a:p>
             <a:pPr lvl="2"/>
@@ -8008,7 +8167,6 @@
               <a:rPr lang="zh-CN" altLang="en-US"/>
               <a:t>第三级</a:t>
             </a:r>
-            <a:endParaRPr lang="zh-CN" altLang="en-US"/>
           </a:p>
           <a:p>
             <a:pPr lvl="3"/>
@@ -8016,7 +8174,6 @@
               <a:rPr lang="zh-CN" altLang="en-US"/>
               <a:t>第四级</a:t>
             </a:r>
-            <a:endParaRPr lang="zh-CN" altLang="en-US"/>
           </a:p>
           <a:p>
             <a:pPr lvl="4"/>
@@ -8024,7 +8181,6 @@
               <a:rPr lang="zh-CN" altLang="en-US"/>
               <a:t>第五级</a:t>
             </a:r>
-            <a:endParaRPr lang="zh-CN" altLang="en-US"/>
           </a:p>
         </p:txBody>
       </p:sp>
@@ -8045,6 +8201,7 @@
           <a:p>
             <a:fld id="{C9A525C2-A1C0-41DF-902C-1C7002BACC2D}" type="datetimeFigureOut">
               <a:rPr lang="zh-CN" altLang="en-US" smtClean="0"/>
+              <a:t>2018/3/12</a:t>
             </a:fld>
             <a:endParaRPr lang="zh-CN" altLang="en-US"/>
           </a:p>
@@ -8086,6 +8243,7 @@
           <a:p>
             <a:fld id="{3307EBEE-7414-4D5F-9BA0-090EC3DD023E}" type="slidenum">
               <a:rPr lang="zh-CN" altLang="en-US" smtClean="0"/>
+              <a:t>‹#›</a:t>
             </a:fld>
             <a:endParaRPr lang="zh-CN" altLang="en-US"/>
           </a:p>
@@ -8135,7 +8293,6 @@
               <a:rPr lang="zh-CN" altLang="en-US"/>
               <a:t>单击此处编辑母版标题样式</a:t>
             </a:r>
-            <a:endParaRPr lang="zh-CN" altLang="en-US"/>
           </a:p>
         </p:txBody>
       </p:sp>
@@ -8156,6 +8313,7 @@
           <a:p>
             <a:fld id="{C9A525C2-A1C0-41DF-902C-1C7002BACC2D}" type="datetimeFigureOut">
               <a:rPr lang="zh-CN" altLang="en-US" smtClean="0"/>
+              <a:t>2018/3/12</a:t>
             </a:fld>
             <a:endParaRPr lang="zh-CN" altLang="en-US"/>
           </a:p>
@@ -8197,6 +8355,7 @@
           <a:p>
             <a:fld id="{3307EBEE-7414-4D5F-9BA0-090EC3DD023E}" type="slidenum">
               <a:rPr lang="zh-CN" altLang="en-US" smtClean="0"/>
+              <a:t>‹#›</a:t>
             </a:fld>
             <a:endParaRPr lang="zh-CN" altLang="en-US"/>
           </a:p>
@@ -8244,6 +8403,7 @@
           <a:p>
             <a:fld id="{C9A525C2-A1C0-41DF-902C-1C7002BACC2D}" type="datetimeFigureOut">
               <a:rPr lang="zh-CN" altLang="en-US" smtClean="0"/>
+              <a:t>2018/3/12</a:t>
             </a:fld>
             <a:endParaRPr lang="zh-CN" altLang="en-US"/>
           </a:p>
@@ -8285,6 +8445,7 @@
           <a:p>
             <a:fld id="{3307EBEE-7414-4D5F-9BA0-090EC3DD023E}" type="slidenum">
               <a:rPr lang="zh-CN" altLang="en-US" smtClean="0"/>
+              <a:t>‹#›</a:t>
             </a:fld>
             <a:endParaRPr lang="zh-CN" altLang="en-US"/>
           </a:p>
@@ -8343,7 +8504,6 @@
               <a:rPr lang="zh-CN" altLang="en-US"/>
               <a:t>单击此处编辑母版标题样式</a:t>
             </a:r>
-            <a:endParaRPr lang="zh-CN" altLang="en-US"/>
           </a:p>
         </p:txBody>
       </p:sp>
@@ -8400,7 +8560,6 @@
               <a:rPr lang="zh-CN" altLang="en-US"/>
               <a:t>单击此处编辑母版文本样式</a:t>
             </a:r>
-            <a:endParaRPr lang="zh-CN" altLang="en-US"/>
           </a:p>
           <a:p>
             <a:pPr lvl="1"/>
@@ -8408,7 +8567,6 @@
               <a:rPr lang="zh-CN" altLang="en-US"/>
               <a:t>第二级</a:t>
             </a:r>
-            <a:endParaRPr lang="zh-CN" altLang="en-US"/>
           </a:p>
           <a:p>
             <a:pPr lvl="2"/>
@@ -8416,7 +8574,6 @@
               <a:rPr lang="zh-CN" altLang="en-US"/>
               <a:t>第三级</a:t>
             </a:r>
-            <a:endParaRPr lang="zh-CN" altLang="en-US"/>
           </a:p>
           <a:p>
             <a:pPr lvl="3"/>
@@ -8424,7 +8581,6 @@
               <a:rPr lang="zh-CN" altLang="en-US"/>
               <a:t>第四级</a:t>
             </a:r>
-            <a:endParaRPr lang="zh-CN" altLang="en-US"/>
           </a:p>
           <a:p>
             <a:pPr lvl="4"/>
@@ -8432,7 +8588,6 @@
               <a:rPr lang="zh-CN" altLang="en-US"/>
               <a:t>第五级</a:t>
             </a:r>
-            <a:endParaRPr lang="zh-CN" altLang="en-US"/>
           </a:p>
         </p:txBody>
       </p:sp>
@@ -8498,7 +8653,6 @@
               <a:rPr lang="zh-CN" altLang="en-US"/>
               <a:t>单击此处编辑母版文本样式</a:t>
             </a:r>
-            <a:endParaRPr lang="zh-CN" altLang="en-US"/>
           </a:p>
         </p:txBody>
       </p:sp>
@@ -8519,6 +8673,7 @@
           <a:p>
             <a:fld id="{C9A525C2-A1C0-41DF-902C-1C7002BACC2D}" type="datetimeFigureOut">
               <a:rPr lang="zh-CN" altLang="en-US" smtClean="0"/>
+              <a:t>2018/3/12</a:t>
             </a:fld>
             <a:endParaRPr lang="zh-CN" altLang="en-US"/>
           </a:p>
@@ -8560,6 +8715,7 @@
           <a:p>
             <a:fld id="{3307EBEE-7414-4D5F-9BA0-090EC3DD023E}" type="slidenum">
               <a:rPr lang="zh-CN" altLang="en-US" smtClean="0"/>
+              <a:t>‹#›</a:t>
             </a:fld>
             <a:endParaRPr lang="zh-CN" altLang="en-US"/>
           </a:p>
@@ -8618,7 +8774,6 @@
               <a:rPr lang="zh-CN" altLang="en-US"/>
               <a:t>单击此处编辑母版标题样式</a:t>
             </a:r>
-            <a:endParaRPr lang="zh-CN" altLang="en-US"/>
           </a:p>
         </p:txBody>
       </p:sp>
@@ -8745,7 +8900,6 @@
               <a:rPr lang="zh-CN" altLang="en-US"/>
               <a:t>单击此处编辑母版文本样式</a:t>
             </a:r>
-            <a:endParaRPr lang="zh-CN" altLang="en-US"/>
           </a:p>
         </p:txBody>
       </p:sp>
@@ -8766,6 +8920,7 @@
           <a:p>
             <a:fld id="{C9A525C2-A1C0-41DF-902C-1C7002BACC2D}" type="datetimeFigureOut">
               <a:rPr lang="zh-CN" altLang="en-US" smtClean="0"/>
+              <a:t>2018/3/12</a:t>
             </a:fld>
             <a:endParaRPr lang="zh-CN" altLang="en-US"/>
           </a:p>
@@ -8807,6 +8962,7 @@
           <a:p>
             <a:fld id="{3307EBEE-7414-4D5F-9BA0-090EC3DD023E}" type="slidenum">
               <a:rPr lang="zh-CN" altLang="en-US" smtClean="0"/>
+              <a:t>‹#›</a:t>
             </a:fld>
             <a:endParaRPr lang="zh-CN" altLang="en-US"/>
           </a:p>
@@ -8871,7 +9027,6 @@
               <a:rPr lang="zh-CN" altLang="en-US"/>
               <a:t>单击此处编辑母版标题样式</a:t>
             </a:r>
-            <a:endParaRPr lang="zh-CN" altLang="en-US"/>
           </a:p>
         </p:txBody>
       </p:sp>
@@ -8905,7 +9060,6 @@
               <a:rPr lang="zh-CN" altLang="en-US" dirty="0"/>
               <a:t>单击此处编辑母版文本样式</a:t>
             </a:r>
-            <a:endParaRPr lang="zh-CN" altLang="en-US" dirty="0"/>
           </a:p>
           <a:p>
             <a:pPr lvl="1"/>
@@ -8913,7 +9067,6 @@
               <a:rPr lang="zh-CN" altLang="en-US" dirty="0"/>
               <a:t>第二级</a:t>
             </a:r>
-            <a:endParaRPr lang="zh-CN" altLang="en-US" dirty="0"/>
           </a:p>
           <a:p>
             <a:pPr lvl="2"/>
@@ -8921,7 +9074,6 @@
               <a:rPr lang="zh-CN" altLang="en-US" dirty="0"/>
               <a:t>第三级</a:t>
             </a:r>
-            <a:endParaRPr lang="zh-CN" altLang="en-US" dirty="0"/>
           </a:p>
           <a:p>
             <a:pPr lvl="3"/>
@@ -8929,7 +9081,6 @@
               <a:rPr lang="zh-CN" altLang="en-US" dirty="0"/>
               <a:t>第四级</a:t>
             </a:r>
-            <a:endParaRPr lang="zh-CN" altLang="en-US" dirty="0"/>
           </a:p>
           <a:p>
             <a:pPr lvl="4"/>
@@ -8937,7 +9088,6 @@
               <a:rPr lang="zh-CN" altLang="en-US" dirty="0"/>
               <a:t>第五级</a:t>
             </a:r>
-            <a:endParaRPr lang="zh-CN" altLang="en-US" dirty="0"/>
           </a:p>
         </p:txBody>
       </p:sp>
@@ -8976,6 +9126,7 @@
           <a:p>
             <a:fld id="{C9A525C2-A1C0-41DF-902C-1C7002BACC2D}" type="datetimeFigureOut">
               <a:rPr lang="zh-CN" altLang="en-US" smtClean="0"/>
+              <a:t>2018/3/12</a:t>
             </a:fld>
             <a:endParaRPr lang="zh-CN" altLang="en-US"/>
           </a:p>
@@ -9053,6 +9204,7 @@
           <a:p>
             <a:fld id="{3307EBEE-7414-4D5F-9BA0-090EC3DD023E}" type="slidenum">
               <a:rPr lang="zh-CN" altLang="en-US" smtClean="0"/>
+              <a:t>‹#›</a:t>
             </a:fld>
             <a:endParaRPr lang="zh-CN" altLang="en-US"/>
           </a:p>
@@ -9355,11 +9507,11 @@
           <p:nvPr/>
         </p:nvPicPr>
         <p:blipFill rotWithShape="1">
-          <a:blip r:embed="rId1">
+          <a:blip r:embed="rId3">
             <a:extLst>
               <a:ext uri="{BEBA8EAE-BF5A-486C-A8C5-ECC9F3942E4B}">
                 <a14:imgProps xmlns:a14="http://schemas.microsoft.com/office/drawing/2010/main">
-                  <a14:imgLayer r:embed="rId2">
+                  <a14:imgLayer r:embed="rId4">
                     <a14:imgEffect>
                       <a14:brightnessContrast bright="-40000" contrast="40000"/>
                     </a14:imgEffect>
@@ -9483,11 +9635,6 @@
               </a:rPr>
               <a:t>南华大学 </a:t>
             </a:r>
-            <a:endParaRPr lang="zh-CN" altLang="en-US" sz="3200" b="1" dirty="0">
-              <a:solidFill>
-                <a:srgbClr val="FFFF00"/>
-              </a:solidFill>
-            </a:endParaRPr>
           </a:p>
           <a:p>
             <a:pPr algn="ctr"/>
@@ -9499,29 +9646,24 @@
               </a:rPr>
               <a:t>上善若水项目组</a:t>
             </a:r>
-            <a:endParaRPr lang="zh-CN" altLang="en-US" sz="3200" b="1" dirty="0">
-              <a:solidFill>
-                <a:srgbClr val="FFFF00"/>
-              </a:solidFill>
-            </a:endParaRPr>
           </a:p>
         </p:txBody>
       </p:sp>
     </p:spTree>
     <p:custDataLst>
-      <p:tags r:id="rId3"/>
+      <p:tags r:id="rId1"/>
     </p:custDataLst>
   </p:cSld>
   <p:clrMapOvr>
     <a:masterClrMapping/>
   </p:clrMapOvr>
-  <mc:AlternateContent xmlns:mc="http://schemas.openxmlformats.org/markup-compatibility/2006">
-    <mc:Choice xmlns:p14="http://schemas.microsoft.com/office/powerpoint/2010/main" Requires="p14">
+  <mc:AlternateContent xmlns:mc="http://schemas.openxmlformats.org/markup-compatibility/2006" xmlns:p14="http://schemas.microsoft.com/office/powerpoint/2010/main">
+    <mc:Choice Requires="p14">
       <p:transition spd="slow">
         <p14:flash/>
       </p:transition>
     </mc:Choice>
-    <mc:Fallback>
+    <mc:Fallback xmlns="">
       <p:transition spd="slow">
         <p:fade/>
       </p:transition>
@@ -9715,13 +9857,6 @@
               </a:rPr>
               <a:t>目录</a:t>
             </a:r>
-            <a:endParaRPr lang="zh-CN" altLang="en-US" sz="3600" dirty="0">
-              <a:solidFill>
-                <a:srgbClr val="161D37"/>
-              </a:solidFill>
-              <a:latin typeface="微软雅黑" panose="020B0503020204020204" pitchFamily="34" charset="-122"/>
-              <a:ea typeface="微软雅黑" panose="020B0503020204020204" pitchFamily="34" charset="-122"/>
-            </a:endParaRPr>
           </a:p>
         </p:txBody>
       </p:sp>
@@ -9740,7 +9875,7 @@
             <a:avLst/>
           </a:prstGeom>
           <a:blipFill>
-            <a:blip r:embed="rId1" cstate="print">
+            <a:blip r:embed="rId2" cstate="print">
               <a:duotone>
                 <a:prstClr val="black"/>
                 <a:schemeClr val="tx2">
@@ -9895,7 +10030,7 @@
           <p:nvPr/>
         </p:nvPicPr>
         <p:blipFill>
-          <a:blip r:embed="rId2" cstate="print">
+          <a:blip r:embed="rId3" cstate="print">
             <a:lum bright="70000" contrast="-70000"/>
             <a:extLst>
               <a:ext uri="{28A0092B-C50C-407E-A947-70E740481C1C}">
@@ -9926,7 +10061,7 @@
           <p:nvPr/>
         </p:nvPicPr>
         <p:blipFill>
-          <a:blip r:embed="rId3" cstate="print">
+          <a:blip r:embed="rId4" cstate="print">
             <a:duotone>
               <a:schemeClr val="bg2">
                 <a:shade val="45000"/>
@@ -10013,7 +10148,7 @@
           <p:nvPr/>
         </p:nvPicPr>
         <p:blipFill>
-          <a:blip r:embed="rId4" cstate="print">
+          <a:blip r:embed="rId5" cstate="print">
             <a:lum bright="70000" contrast="-70000"/>
             <a:extLst>
               <a:ext uri="{28A0092B-C50C-407E-A947-70E740481C1C}">
@@ -10092,7 +10227,7 @@
           <p:nvPr/>
         </p:nvPicPr>
         <p:blipFill>
-          <a:blip r:embed="rId4" cstate="print">
+          <a:blip r:embed="rId5" cstate="print">
             <a:lum bright="70000" contrast="-70000"/>
             <a:extLst>
               <a:ext uri="{28A0092B-C50C-407E-A947-70E740481C1C}">
@@ -10151,13 +10286,6 @@
               </a:rPr>
               <a:t>业务背景</a:t>
             </a:r>
-            <a:endParaRPr lang="zh-CN" altLang="en-US" sz="2400" dirty="0">
-              <a:solidFill>
-                <a:srgbClr val="00B0F0"/>
-              </a:solidFill>
-              <a:latin typeface="微软雅黑" panose="020B0503020204020204" pitchFamily="34" charset="-122"/>
-              <a:ea typeface="微软雅黑" panose="020B0503020204020204" pitchFamily="34" charset="-122"/>
-            </a:endParaRPr>
           </a:p>
         </p:txBody>
       </p:sp>
@@ -10198,13 +10326,6 @@
               </a:rPr>
               <a:t>项目分工</a:t>
             </a:r>
-            <a:endParaRPr lang="zh-CN" altLang="en-US" sz="2400" dirty="0">
-              <a:solidFill>
-                <a:srgbClr val="00B0F0"/>
-              </a:solidFill>
-              <a:latin typeface="微软雅黑" panose="020B0503020204020204" pitchFamily="34" charset="-122"/>
-              <a:ea typeface="微软雅黑" panose="020B0503020204020204" pitchFamily="34" charset="-122"/>
-            </a:endParaRPr>
           </a:p>
         </p:txBody>
       </p:sp>
@@ -10245,13 +10366,6 @@
               </a:rPr>
               <a:t>整体思路</a:t>
             </a:r>
-            <a:endParaRPr lang="zh-CN" altLang="en-US" sz="2400" dirty="0">
-              <a:solidFill>
-                <a:srgbClr val="00B0F0"/>
-              </a:solidFill>
-              <a:latin typeface="微软雅黑" panose="020B0503020204020204" pitchFamily="34" charset="-122"/>
-              <a:ea typeface="微软雅黑" panose="020B0503020204020204" pitchFamily="34" charset="-122"/>
-            </a:endParaRPr>
           </a:p>
         </p:txBody>
       </p:sp>
@@ -10292,13 +10406,6 @@
               </a:rPr>
               <a:t>软件功能</a:t>
             </a:r>
-            <a:endParaRPr lang="zh-CN" altLang="en-US" sz="2400" dirty="0">
-              <a:solidFill>
-                <a:srgbClr val="00B0F0"/>
-              </a:solidFill>
-              <a:latin typeface="微软雅黑" panose="020B0503020204020204" pitchFamily="34" charset="-122"/>
-              <a:ea typeface="微软雅黑" panose="020B0503020204020204" pitchFamily="34" charset="-122"/>
-            </a:endParaRPr>
           </a:p>
         </p:txBody>
       </p:sp>
@@ -10357,11 +10464,6 @@
               </a:rPr>
               <a:t>业务背景</a:t>
             </a:r>
-            <a:endParaRPr lang="zh-CN" altLang="en-US" sz="2800" dirty="0">
-              <a:solidFill>
-                <a:srgbClr val="00B0F0"/>
-              </a:solidFill>
-            </a:endParaRPr>
           </a:p>
         </p:txBody>
       </p:sp>
@@ -10404,7 +10506,6 @@
               <a:rPr lang="zh-CN" altLang="en-US" sz="2400" dirty="0"/>
               <a:t>利用探针数据的客流分析打破模式束缚，不仅仅只是提供可信的客流数据分析，同时还利用延伸的标杆管理才能，深刻洞悉并提供有助于推动实际客流量和消费者习惯行为的一系列因素。这种专业才能呈现了经济分析，社交和环境等一些超出你控制范围的因素，却对商业绩效产生主要的冲击力。</a:t>
             </a:r>
-            <a:endParaRPr lang="zh-CN" altLang="en-US" sz="2400" dirty="0"/>
           </a:p>
         </p:txBody>
       </p:sp>
@@ -11227,7 +11328,13 @@
         <p:nvGraphicFramePr>
           <p:cNvPr id="16" name="图示 15"/>
           <p:cNvGraphicFramePr/>
-          <p:nvPr/>
+          <p:nvPr>
+            <p:extLst>
+              <p:ext uri="{D42A27DB-BD31-4B8C-83A1-F6EECF244321}">
+                <p14:modId xmlns:p14="http://schemas.microsoft.com/office/powerpoint/2010/main" val="3387783794"/>
+              </p:ext>
+            </p:extLst>
+          </p:nvPr>
         </p:nvGraphicFramePr>
         <p:xfrm>
           <a:off x="2411761" y="3104323"/>
@@ -11235,7 +11342,7 @@
         </p:xfrm>
         <a:graphic>
           <a:graphicData uri="http://schemas.openxmlformats.org/drawingml/2006/diagram">
-            <dgm:relIds xmlns:dgm="http://schemas.openxmlformats.org/drawingml/2006/diagram" xmlns:r="http://schemas.openxmlformats.org/officeDocument/2006/relationships" r:dm="rId1" r:lo="rId2" r:qs="rId3" r:cs="rId4"/>
+            <dgm:relIds xmlns:dgm="http://schemas.openxmlformats.org/drawingml/2006/diagram" xmlns:r="http://schemas.openxmlformats.org/officeDocument/2006/relationships" r:dm="rId3" r:lo="rId4" r:qs="rId5" r:cs="rId6"/>
           </a:graphicData>
         </a:graphic>
       </p:graphicFrame>
@@ -11279,7 +11386,6 @@
               <a:rPr lang="zh-CN" altLang="en-US" sz="2400" dirty="0"/>
               <a:t>数据分析</a:t>
             </a:r>
-            <a:endParaRPr lang="zh-CN" altLang="en-US" sz="2400" dirty="0"/>
           </a:p>
         </p:txBody>
       </p:sp>
@@ -11323,7 +11429,6 @@
               <a:rPr lang="zh-CN" altLang="en-US" sz="2400" dirty="0"/>
               <a:t>结果展示</a:t>
             </a:r>
-            <a:endParaRPr lang="zh-CN" altLang="en-US" sz="2400" dirty="0"/>
           </a:p>
         </p:txBody>
       </p:sp>
@@ -11367,25 +11472,24 @@
               <a:rPr lang="zh-CN" altLang="en-US" sz="2400" dirty="0"/>
               <a:t>数据采集</a:t>
             </a:r>
-            <a:endParaRPr lang="zh-CN" altLang="en-US" sz="2400" dirty="0"/>
           </a:p>
         </p:txBody>
       </p:sp>
     </p:spTree>
     <p:custDataLst>
-      <p:tags r:id="rId6"/>
+      <p:tags r:id="rId1"/>
     </p:custDataLst>
   </p:cSld>
   <p:clrMapOvr>
     <a:masterClrMapping/>
   </p:clrMapOvr>
-  <mc:AlternateContent xmlns:mc="http://schemas.openxmlformats.org/markup-compatibility/2006">
-    <mc:Choice xmlns:p14="http://schemas.microsoft.com/office/powerpoint/2010/main" Requires="p14">
+  <mc:AlternateContent xmlns:mc="http://schemas.openxmlformats.org/markup-compatibility/2006" xmlns:p14="http://schemas.microsoft.com/office/powerpoint/2010/main">
+    <mc:Choice Requires="p14">
       <p:transition spd="med" p14:dur="700">
         <p:fade/>
       </p:transition>
     </mc:Choice>
-    <mc:Fallback>
+    <mc:Fallback xmlns="">
       <p:transition spd="med">
         <p:fade/>
       </p:transition>
@@ -12248,13 +12352,6 @@
               </a:rPr>
               <a:t>探针的商业大数据分析技术产品开发思路</a:t>
             </a:r>
-            <a:endParaRPr lang="zh-CN" altLang="en-US" sz="2400" dirty="0">
-              <a:solidFill>
-                <a:srgbClr val="0563B8"/>
-              </a:solidFill>
-              <a:latin typeface="Century Gothic" panose="020B0502020202020204" pitchFamily="34" charset="0"/>
-              <a:cs typeface="Arial" panose="020B0604020202020204" pitchFamily="34" charset="0"/>
-            </a:endParaRPr>
           </a:p>
         </p:txBody>
       </p:sp>
@@ -12568,7 +12665,7 @@
         </p:xfrm>
         <a:graphic>
           <a:graphicData uri="http://schemas.openxmlformats.org/drawingml/2006/diagram">
-            <dgm:relIds xmlns:dgm="http://schemas.openxmlformats.org/drawingml/2006/diagram" xmlns:r="http://schemas.openxmlformats.org/officeDocument/2006/relationships" r:dm="rId1" r:lo="rId2" r:qs="rId3" r:cs="rId4"/>
+            <dgm:relIds xmlns:dgm="http://schemas.openxmlformats.org/drawingml/2006/diagram" xmlns:r="http://schemas.openxmlformats.org/officeDocument/2006/relationships" r:dm="rId2" r:lo="rId3" r:qs="rId4" r:cs="rId5"/>
           </a:graphicData>
         </a:graphic>
       </p:graphicFrame>
@@ -12577,13 +12674,13 @@
   <p:clrMapOvr>
     <a:masterClrMapping/>
   </p:clrMapOvr>
-  <mc:AlternateContent xmlns:mc="http://schemas.openxmlformats.org/markup-compatibility/2006">
-    <mc:Choice xmlns:p14="http://schemas.microsoft.com/office/powerpoint/2010/main" Requires="p14">
+  <mc:AlternateContent xmlns:mc="http://schemas.openxmlformats.org/markup-compatibility/2006" xmlns:p14="http://schemas.microsoft.com/office/powerpoint/2010/main">
+    <mc:Choice Requires="p14">
       <p:transition spd="med" p14:dur="700">
         <p:fade/>
       </p:transition>
     </mc:Choice>
-    <mc:Fallback>
+    <mc:Fallback xmlns="">
       <p:transition spd="med">
         <p:fade/>
       </p:transition>
@@ -12825,7 +12922,6 @@
               <a:rPr lang="zh-CN" altLang="en-US" dirty="0"/>
               <a:t>店铺信息管理</a:t>
             </a:r>
-            <a:endParaRPr lang="zh-CN" altLang="en-US" dirty="0"/>
           </a:p>
         </p:txBody>
       </p:sp>
@@ -12869,7 +12965,6 @@
               <a:rPr lang="zh-CN" altLang="en-US" dirty="0"/>
               <a:t>店铺新老顾客管理</a:t>
             </a:r>
-            <a:endParaRPr lang="zh-CN" altLang="en-US" dirty="0"/>
           </a:p>
         </p:txBody>
       </p:sp>
@@ -12957,7 +13052,6 @@
               <a:rPr lang="zh-CN" altLang="en-US" dirty="0"/>
               <a:t>店铺客流量管理</a:t>
             </a:r>
-            <a:endParaRPr lang="zh-CN" altLang="en-US" dirty="0"/>
           </a:p>
         </p:txBody>
       </p:sp>
@@ -13001,7 +13095,6 @@
               <a:rPr lang="zh-CN" altLang="en-US" dirty="0"/>
               <a:t>店铺顾客驻店时长管理</a:t>
             </a:r>
-            <a:endParaRPr lang="zh-CN" altLang="en-US" dirty="0"/>
           </a:p>
         </p:txBody>
       </p:sp>
@@ -13045,7 +13138,6 @@
               <a:rPr lang="zh-CN" altLang="en-US" dirty="0"/>
               <a:t>店铺跳出率管理</a:t>
             </a:r>
-            <a:endParaRPr lang="zh-CN" altLang="en-US" dirty="0"/>
           </a:p>
         </p:txBody>
       </p:sp>
@@ -13089,7 +13181,6 @@
               <a:rPr lang="zh-CN" altLang="en-US" dirty="0"/>
               <a:t>店铺深访率管理</a:t>
             </a:r>
-            <a:endParaRPr lang="zh-CN" altLang="en-US" dirty="0"/>
           </a:p>
         </p:txBody>
       </p:sp>
@@ -13133,7 +13224,6 @@
               <a:rPr lang="zh-CN" altLang="en-US" dirty="0"/>
               <a:t>店铺顾客活跃度管理</a:t>
             </a:r>
-            <a:endParaRPr lang="zh-CN" altLang="en-US" dirty="0"/>
           </a:p>
         </p:txBody>
       </p:sp>
@@ -13177,7 +13267,6 @@
               <a:rPr lang="zh-CN" altLang="en-US" dirty="0"/>
               <a:t>店铺顾客来访周期管理</a:t>
             </a:r>
-            <a:endParaRPr lang="zh-CN" altLang="en-US" dirty="0"/>
           </a:p>
         </p:txBody>
       </p:sp>
@@ -13221,7 +13310,6 @@
               <a:rPr lang="zh-CN" altLang="en-US" dirty="0"/>
               <a:t>历史数据环比</a:t>
             </a:r>
-            <a:endParaRPr lang="zh-CN" altLang="en-US" dirty="0"/>
           </a:p>
         </p:txBody>
       </p:sp>
@@ -13265,7 +13353,6 @@
               <a:rPr lang="zh-CN" altLang="en-US" dirty="0"/>
               <a:t>店铺入店率管理</a:t>
             </a:r>
-            <a:endParaRPr lang="zh-CN" altLang="en-US" dirty="0"/>
           </a:p>
         </p:txBody>
       </p:sp>
@@ -13327,7 +13414,6 @@
               <a:rPr lang="zh-CN" altLang="en-US" sz="2800" dirty="0"/>
               <a:t>软件整体架构图</a:t>
             </a:r>
-            <a:endParaRPr lang="zh-CN" altLang="en-US" sz="2800" dirty="0"/>
           </a:p>
         </p:txBody>
       </p:sp>
@@ -13340,7 +13426,7 @@
           <p:nvPr/>
         </p:nvPicPr>
         <p:blipFill>
-          <a:blip r:embed="rId1">
+          <a:blip r:embed="rId2">
             <a:extLst>
               <a:ext uri="{28A0092B-C50C-407E-A947-70E740481C1C}">
                 <a14:useLocalDpi xmlns:a14="http://schemas.microsoft.com/office/drawing/2010/main" val="0"/>
@@ -13395,11 +13481,11 @@
           <p:nvPr/>
         </p:nvPicPr>
         <p:blipFill rotWithShape="1">
-          <a:blip r:embed="rId1">
+          <a:blip r:embed="rId2">
             <a:extLst>
               <a:ext uri="{BEBA8EAE-BF5A-486C-A8C5-ECC9F3942E4B}">
                 <a14:imgProps xmlns:a14="http://schemas.microsoft.com/office/drawing/2010/main">
-                  <a14:imgLayer r:embed="rId2">
+                  <a14:imgLayer r:embed="rId3">
                     <a14:imgEffect>
                       <a14:brightnessContrast bright="-40000" contrast="40000"/>
                     </a14:imgEffect>
@@ -14183,13 +14269,6 @@
               </a:rPr>
               <a:t>THANK YOU</a:t>
             </a:r>
-            <a:endParaRPr lang="en-US" altLang="zh-CN" sz="6000" dirty="0">
-              <a:solidFill>
-                <a:srgbClr val="FF0000"/>
-              </a:solidFill>
-              <a:latin typeface="Century Gothic" panose="020B0502020202020204" pitchFamily="34" charset="0"/>
-              <a:cs typeface="Arial" panose="020B0604020202020204" pitchFamily="34" charset="0"/>
-            </a:endParaRPr>
           </a:p>
         </p:txBody>
       </p:sp>
@@ -14224,11 +14303,6 @@
               </a:rPr>
               <a:t>谢谢观看</a:t>
             </a:r>
-            <a:endParaRPr lang="zh-CN" altLang="en-US" sz="5400" dirty="0">
-              <a:solidFill>
-                <a:srgbClr val="FF0000"/>
-              </a:solidFill>
-            </a:endParaRPr>
           </a:p>
         </p:txBody>
       </p:sp>
@@ -14237,13 +14311,13 @@
   <p:clrMapOvr>
     <a:masterClrMapping/>
   </p:clrMapOvr>
-  <mc:AlternateContent xmlns:mc="http://schemas.openxmlformats.org/markup-compatibility/2006">
-    <mc:Choice xmlns:p14="http://schemas.microsoft.com/office/powerpoint/2010/main" Requires="p14">
+  <mc:AlternateContent xmlns:mc="http://schemas.openxmlformats.org/markup-compatibility/2006" xmlns:p14="http://schemas.microsoft.com/office/powerpoint/2010/main">
+    <mc:Choice Requires="p14">
       <p:transition spd="slow">
         <p14:flash/>
       </p:transition>
     </mc:Choice>
-    <mc:Fallback>
+    <mc:Fallback xmlns="">
       <p:transition spd="slow">
         <p:fade/>
       </p:transition>
@@ -14464,13 +14538,13 @@
 </file>
 
 <file path=ppt/tags/tag1.xml><?xml version="1.0" encoding="utf-8"?>
-<p:tagLst xmlns:p="http://schemas.openxmlformats.org/presentationml/2006/main">
+<p:tagLst xmlns:a="http://schemas.openxmlformats.org/drawingml/2006/main" xmlns:r="http://schemas.openxmlformats.org/officeDocument/2006/relationships" xmlns:p="http://schemas.openxmlformats.org/presentationml/2006/main">
   <p:tag name="TIMING" val="|3.4"/>
 </p:tagLst>
 </file>
 
 <file path=ppt/tags/tag2.xml><?xml version="1.0" encoding="utf-8"?>
-<p:tagLst xmlns:p="http://schemas.openxmlformats.org/presentationml/2006/main">
+<p:tagLst xmlns:a="http://schemas.openxmlformats.org/drawingml/2006/main" xmlns:r="http://schemas.openxmlformats.org/officeDocument/2006/relationships" xmlns:p="http://schemas.openxmlformats.org/presentationml/2006/main">
   <p:tag name="TIMING" val="|0.7|1.5|1|2.6|1.5|1.4|1.4|0.8|0.7"/>
 </p:tagLst>
 </file>
